--- a/figures/Chapter 3 - Tree Structures/3.5 Randomized Search Trees.pptx
+++ b/figures/Chapter 3 - Tree Structures/3.5 Randomized Search Trees.pptx
@@ -162,10 +162,9 @@
           </a:lstStyle>
           <a:p>
             <a:r>
-              <a:rPr lang="en-US" smtClean="0"/>
+              <a:rPr lang="en-US"/>
               <a:t>Click to edit Master title style</a:t>
             </a:r>
-            <a:endParaRPr lang="en-US"/>
           </a:p>
         </p:txBody>
       </p:sp>
@@ -227,10 +226,9 @@
           </a:lstStyle>
           <a:p>
             <a:r>
-              <a:rPr lang="en-US" smtClean="0"/>
+              <a:rPr lang="en-US"/>
               <a:t>Click to edit Master subtitle style</a:t>
             </a:r>
-            <a:endParaRPr lang="en-US"/>
           </a:p>
         </p:txBody>
       </p:sp>
@@ -251,7 +249,7 @@
           <a:p>
             <a:fld id="{FA589A3D-E41F-452A-ADB5-895B11C00BC4}" type="datetimeFigureOut">
               <a:rPr lang="en-US" smtClean="0"/>
-              <a:t>8/13/2016</a:t>
+              <a:t>5/8/18</a:t>
             </a:fld>
             <a:endParaRPr lang="en-US"/>
           </a:p>
@@ -345,10 +343,9 @@
           <a:lstStyle/>
           <a:p>
             <a:r>
-              <a:rPr lang="en-US" smtClean="0"/>
+              <a:rPr lang="en-US"/>
               <a:t>Click to edit Master title style</a:t>
             </a:r>
-            <a:endParaRPr lang="en-US"/>
           </a:p>
         </p:txBody>
       </p:sp>
@@ -369,38 +366,37 @@
           <a:p>
             <a:pPr lvl="0"/>
             <a:r>
-              <a:rPr lang="en-US" smtClean="0"/>
+              <a:rPr lang="en-US"/>
               <a:t>Click to edit Master text styles</a:t>
             </a:r>
           </a:p>
           <a:p>
             <a:pPr lvl="1"/>
             <a:r>
-              <a:rPr lang="en-US" smtClean="0"/>
+              <a:rPr lang="en-US"/>
               <a:t>Second level</a:t>
             </a:r>
           </a:p>
           <a:p>
             <a:pPr lvl="2"/>
             <a:r>
-              <a:rPr lang="en-US" smtClean="0"/>
+              <a:rPr lang="en-US"/>
               <a:t>Third level</a:t>
             </a:r>
           </a:p>
           <a:p>
             <a:pPr lvl="3"/>
             <a:r>
-              <a:rPr lang="en-US" smtClean="0"/>
+              <a:rPr lang="en-US"/>
               <a:t>Fourth level</a:t>
             </a:r>
           </a:p>
           <a:p>
             <a:pPr lvl="4"/>
             <a:r>
-              <a:rPr lang="en-US" smtClean="0"/>
+              <a:rPr lang="en-US"/>
               <a:t>Fifth level</a:t>
             </a:r>
-            <a:endParaRPr lang="en-US"/>
           </a:p>
         </p:txBody>
       </p:sp>
@@ -421,7 +417,7 @@
           <a:p>
             <a:fld id="{FA589A3D-E41F-452A-ADB5-895B11C00BC4}" type="datetimeFigureOut">
               <a:rPr lang="en-US" smtClean="0"/>
-              <a:t>8/13/2016</a:t>
+              <a:t>5/8/18</a:t>
             </a:fld>
             <a:endParaRPr lang="en-US"/>
           </a:p>
@@ -520,10 +516,9 @@
           <a:lstStyle/>
           <a:p>
             <a:r>
-              <a:rPr lang="en-US" smtClean="0"/>
+              <a:rPr lang="en-US"/>
               <a:t>Click to edit Master title style</a:t>
             </a:r>
-            <a:endParaRPr lang="en-US"/>
           </a:p>
         </p:txBody>
       </p:sp>
@@ -549,38 +544,37 @@
           <a:p>
             <a:pPr lvl="0"/>
             <a:r>
-              <a:rPr lang="en-US" smtClean="0"/>
+              <a:rPr lang="en-US"/>
               <a:t>Click to edit Master text styles</a:t>
             </a:r>
           </a:p>
           <a:p>
             <a:pPr lvl="1"/>
             <a:r>
-              <a:rPr lang="en-US" smtClean="0"/>
+              <a:rPr lang="en-US"/>
               <a:t>Second level</a:t>
             </a:r>
           </a:p>
           <a:p>
             <a:pPr lvl="2"/>
             <a:r>
-              <a:rPr lang="en-US" smtClean="0"/>
+              <a:rPr lang="en-US"/>
               <a:t>Third level</a:t>
             </a:r>
           </a:p>
           <a:p>
             <a:pPr lvl="3"/>
             <a:r>
-              <a:rPr lang="en-US" smtClean="0"/>
+              <a:rPr lang="en-US"/>
               <a:t>Fourth level</a:t>
             </a:r>
           </a:p>
           <a:p>
             <a:pPr lvl="4"/>
             <a:r>
-              <a:rPr lang="en-US" smtClean="0"/>
+              <a:rPr lang="en-US"/>
               <a:t>Fifth level</a:t>
             </a:r>
-            <a:endParaRPr lang="en-US"/>
           </a:p>
         </p:txBody>
       </p:sp>
@@ -601,7 +595,7 @@
           <a:p>
             <a:fld id="{FA589A3D-E41F-452A-ADB5-895B11C00BC4}" type="datetimeFigureOut">
               <a:rPr lang="en-US" smtClean="0"/>
-              <a:t>8/13/2016</a:t>
+              <a:t>5/8/18</a:t>
             </a:fld>
             <a:endParaRPr lang="en-US"/>
           </a:p>
@@ -695,10 +689,9 @@
           <a:lstStyle/>
           <a:p>
             <a:r>
-              <a:rPr lang="en-US" smtClean="0"/>
+              <a:rPr lang="en-US"/>
               <a:t>Click to edit Master title style</a:t>
             </a:r>
-            <a:endParaRPr lang="en-US"/>
           </a:p>
         </p:txBody>
       </p:sp>
@@ -719,38 +712,37 @@
           <a:p>
             <a:pPr lvl="0"/>
             <a:r>
-              <a:rPr lang="en-US" smtClean="0"/>
+              <a:rPr lang="en-US"/>
               <a:t>Click to edit Master text styles</a:t>
             </a:r>
           </a:p>
           <a:p>
             <a:pPr lvl="1"/>
             <a:r>
-              <a:rPr lang="en-US" smtClean="0"/>
+              <a:rPr lang="en-US"/>
               <a:t>Second level</a:t>
             </a:r>
           </a:p>
           <a:p>
             <a:pPr lvl="2"/>
             <a:r>
-              <a:rPr lang="en-US" smtClean="0"/>
+              <a:rPr lang="en-US"/>
               <a:t>Third level</a:t>
             </a:r>
           </a:p>
           <a:p>
             <a:pPr lvl="3"/>
             <a:r>
-              <a:rPr lang="en-US" smtClean="0"/>
+              <a:rPr lang="en-US"/>
               <a:t>Fourth level</a:t>
             </a:r>
           </a:p>
           <a:p>
             <a:pPr lvl="4"/>
             <a:r>
-              <a:rPr lang="en-US" smtClean="0"/>
+              <a:rPr lang="en-US"/>
               <a:t>Fifth level</a:t>
             </a:r>
-            <a:endParaRPr lang="en-US"/>
           </a:p>
         </p:txBody>
       </p:sp>
@@ -771,7 +763,7 @@
           <a:p>
             <a:fld id="{FA589A3D-E41F-452A-ADB5-895B11C00BC4}" type="datetimeFigureOut">
               <a:rPr lang="en-US" smtClean="0"/>
-              <a:t>8/13/2016</a:t>
+              <a:t>5/8/18</a:t>
             </a:fld>
             <a:endParaRPr lang="en-US"/>
           </a:p>
@@ -874,10 +866,9 @@
           </a:lstStyle>
           <a:p>
             <a:r>
-              <a:rPr lang="en-US" smtClean="0"/>
+              <a:rPr lang="en-US"/>
               <a:t>Click to edit Master title style</a:t>
             </a:r>
-            <a:endParaRPr lang="en-US"/>
           </a:p>
         </p:txBody>
       </p:sp>
@@ -994,7 +985,7 @@
           <a:p>
             <a:pPr lvl="0"/>
             <a:r>
-              <a:rPr lang="en-US" smtClean="0"/>
+              <a:rPr lang="en-US"/>
               <a:t>Click to edit Master text styles</a:t>
             </a:r>
           </a:p>
@@ -1017,7 +1008,7 @@
           <a:p>
             <a:fld id="{FA589A3D-E41F-452A-ADB5-895B11C00BC4}" type="datetimeFigureOut">
               <a:rPr lang="en-US" smtClean="0"/>
-              <a:t>8/13/2016</a:t>
+              <a:t>5/8/18</a:t>
             </a:fld>
             <a:endParaRPr lang="en-US"/>
           </a:p>
@@ -1111,10 +1102,9 @@
           <a:lstStyle/>
           <a:p>
             <a:r>
-              <a:rPr lang="en-US" smtClean="0"/>
+              <a:rPr lang="en-US"/>
               <a:t>Click to edit Master title style</a:t>
             </a:r>
-            <a:endParaRPr lang="en-US"/>
           </a:p>
         </p:txBody>
       </p:sp>
@@ -1140,38 +1130,37 @@
           <a:p>
             <a:pPr lvl="0"/>
             <a:r>
-              <a:rPr lang="en-US" smtClean="0"/>
+              <a:rPr lang="en-US"/>
               <a:t>Click to edit Master text styles</a:t>
             </a:r>
           </a:p>
           <a:p>
             <a:pPr lvl="1"/>
             <a:r>
-              <a:rPr lang="en-US" smtClean="0"/>
+              <a:rPr lang="en-US"/>
               <a:t>Second level</a:t>
             </a:r>
           </a:p>
           <a:p>
             <a:pPr lvl="2"/>
             <a:r>
-              <a:rPr lang="en-US" smtClean="0"/>
+              <a:rPr lang="en-US"/>
               <a:t>Third level</a:t>
             </a:r>
           </a:p>
           <a:p>
             <a:pPr lvl="3"/>
             <a:r>
-              <a:rPr lang="en-US" smtClean="0"/>
+              <a:rPr lang="en-US"/>
               <a:t>Fourth level</a:t>
             </a:r>
           </a:p>
           <a:p>
             <a:pPr lvl="4"/>
             <a:r>
-              <a:rPr lang="en-US" smtClean="0"/>
+              <a:rPr lang="en-US"/>
               <a:t>Fifth level</a:t>
             </a:r>
-            <a:endParaRPr lang="en-US"/>
           </a:p>
         </p:txBody>
       </p:sp>
@@ -1197,38 +1186,37 @@
           <a:p>
             <a:pPr lvl="0"/>
             <a:r>
-              <a:rPr lang="en-US" smtClean="0"/>
+              <a:rPr lang="en-US"/>
               <a:t>Click to edit Master text styles</a:t>
             </a:r>
           </a:p>
           <a:p>
             <a:pPr lvl="1"/>
             <a:r>
-              <a:rPr lang="en-US" smtClean="0"/>
+              <a:rPr lang="en-US"/>
               <a:t>Second level</a:t>
             </a:r>
           </a:p>
           <a:p>
             <a:pPr lvl="2"/>
             <a:r>
-              <a:rPr lang="en-US" smtClean="0"/>
+              <a:rPr lang="en-US"/>
               <a:t>Third level</a:t>
             </a:r>
           </a:p>
           <a:p>
             <a:pPr lvl="3"/>
             <a:r>
-              <a:rPr lang="en-US" smtClean="0"/>
+              <a:rPr lang="en-US"/>
               <a:t>Fourth level</a:t>
             </a:r>
           </a:p>
           <a:p>
             <a:pPr lvl="4"/>
             <a:r>
-              <a:rPr lang="en-US" smtClean="0"/>
+              <a:rPr lang="en-US"/>
               <a:t>Fifth level</a:t>
             </a:r>
-            <a:endParaRPr lang="en-US"/>
           </a:p>
         </p:txBody>
       </p:sp>
@@ -1249,7 +1237,7 @@
           <a:p>
             <a:fld id="{FA589A3D-E41F-452A-ADB5-895B11C00BC4}" type="datetimeFigureOut">
               <a:rPr lang="en-US" smtClean="0"/>
-              <a:t>8/13/2016</a:t>
+              <a:t>5/8/18</a:t>
             </a:fld>
             <a:endParaRPr lang="en-US"/>
           </a:p>
@@ -1348,10 +1336,9 @@
           <a:lstStyle/>
           <a:p>
             <a:r>
-              <a:rPr lang="en-US" smtClean="0"/>
+              <a:rPr lang="en-US"/>
               <a:t>Click to edit Master title style</a:t>
             </a:r>
-            <a:endParaRPr lang="en-US"/>
           </a:p>
         </p:txBody>
       </p:sp>
@@ -1414,7 +1401,7 @@
           <a:p>
             <a:pPr lvl="0"/>
             <a:r>
-              <a:rPr lang="en-US" smtClean="0"/>
+              <a:rPr lang="en-US"/>
               <a:t>Click to edit Master text styles</a:t>
             </a:r>
           </a:p>
@@ -1442,38 +1429,37 @@
           <a:p>
             <a:pPr lvl="0"/>
             <a:r>
-              <a:rPr lang="en-US" smtClean="0"/>
+              <a:rPr lang="en-US"/>
               <a:t>Click to edit Master text styles</a:t>
             </a:r>
           </a:p>
           <a:p>
             <a:pPr lvl="1"/>
             <a:r>
-              <a:rPr lang="en-US" smtClean="0"/>
+              <a:rPr lang="en-US"/>
               <a:t>Second level</a:t>
             </a:r>
           </a:p>
           <a:p>
             <a:pPr lvl="2"/>
             <a:r>
-              <a:rPr lang="en-US" smtClean="0"/>
+              <a:rPr lang="en-US"/>
               <a:t>Third level</a:t>
             </a:r>
           </a:p>
           <a:p>
             <a:pPr lvl="3"/>
             <a:r>
-              <a:rPr lang="en-US" smtClean="0"/>
+              <a:rPr lang="en-US"/>
               <a:t>Fourth level</a:t>
             </a:r>
           </a:p>
           <a:p>
             <a:pPr lvl="4"/>
             <a:r>
-              <a:rPr lang="en-US" smtClean="0"/>
+              <a:rPr lang="en-US"/>
               <a:t>Fifth level</a:t>
             </a:r>
-            <a:endParaRPr lang="en-US"/>
           </a:p>
         </p:txBody>
       </p:sp>
@@ -1536,7 +1522,7 @@
           <a:p>
             <a:pPr lvl="0"/>
             <a:r>
-              <a:rPr lang="en-US" smtClean="0"/>
+              <a:rPr lang="en-US"/>
               <a:t>Click to edit Master text styles</a:t>
             </a:r>
           </a:p>
@@ -1564,38 +1550,37 @@
           <a:p>
             <a:pPr lvl="0"/>
             <a:r>
-              <a:rPr lang="en-US" smtClean="0"/>
+              <a:rPr lang="en-US"/>
               <a:t>Click to edit Master text styles</a:t>
             </a:r>
           </a:p>
           <a:p>
             <a:pPr lvl="1"/>
             <a:r>
-              <a:rPr lang="en-US" smtClean="0"/>
+              <a:rPr lang="en-US"/>
               <a:t>Second level</a:t>
             </a:r>
           </a:p>
           <a:p>
             <a:pPr lvl="2"/>
             <a:r>
-              <a:rPr lang="en-US" smtClean="0"/>
+              <a:rPr lang="en-US"/>
               <a:t>Third level</a:t>
             </a:r>
           </a:p>
           <a:p>
             <a:pPr lvl="3"/>
             <a:r>
-              <a:rPr lang="en-US" smtClean="0"/>
+              <a:rPr lang="en-US"/>
               <a:t>Fourth level</a:t>
             </a:r>
           </a:p>
           <a:p>
             <a:pPr lvl="4"/>
             <a:r>
-              <a:rPr lang="en-US" smtClean="0"/>
+              <a:rPr lang="en-US"/>
               <a:t>Fifth level</a:t>
             </a:r>
-            <a:endParaRPr lang="en-US"/>
           </a:p>
         </p:txBody>
       </p:sp>
@@ -1616,7 +1601,7 @@
           <a:p>
             <a:fld id="{FA589A3D-E41F-452A-ADB5-895B11C00BC4}" type="datetimeFigureOut">
               <a:rPr lang="en-US" smtClean="0"/>
-              <a:t>8/13/2016</a:t>
+              <a:t>5/8/18</a:t>
             </a:fld>
             <a:endParaRPr lang="en-US"/>
           </a:p>
@@ -1710,10 +1695,9 @@
           <a:lstStyle/>
           <a:p>
             <a:r>
-              <a:rPr lang="en-US" smtClean="0"/>
+              <a:rPr lang="en-US"/>
               <a:t>Click to edit Master title style</a:t>
             </a:r>
-            <a:endParaRPr lang="en-US"/>
           </a:p>
         </p:txBody>
       </p:sp>
@@ -1734,7 +1718,7 @@
           <a:p>
             <a:fld id="{FA589A3D-E41F-452A-ADB5-895B11C00BC4}" type="datetimeFigureOut">
               <a:rPr lang="en-US" smtClean="0"/>
-              <a:t>8/13/2016</a:t>
+              <a:t>5/8/18</a:t>
             </a:fld>
             <a:endParaRPr lang="en-US"/>
           </a:p>
@@ -1829,7 +1813,7 @@
           <a:p>
             <a:fld id="{FA589A3D-E41F-452A-ADB5-895B11C00BC4}" type="datetimeFigureOut">
               <a:rPr lang="en-US" smtClean="0"/>
-              <a:t>8/13/2016</a:t>
+              <a:t>5/8/18</a:t>
             </a:fld>
             <a:endParaRPr lang="en-US"/>
           </a:p>
@@ -1932,10 +1916,9 @@
           </a:lstStyle>
           <a:p>
             <a:r>
-              <a:rPr lang="en-US" smtClean="0"/>
+              <a:rPr lang="en-US"/>
               <a:t>Click to edit Master title style</a:t>
             </a:r>
-            <a:endParaRPr lang="en-US"/>
           </a:p>
         </p:txBody>
       </p:sp>
@@ -1989,38 +1972,37 @@
           <a:p>
             <a:pPr lvl="0"/>
             <a:r>
-              <a:rPr lang="en-US" smtClean="0"/>
+              <a:rPr lang="en-US"/>
               <a:t>Click to edit Master text styles</a:t>
             </a:r>
           </a:p>
           <a:p>
             <a:pPr lvl="1"/>
             <a:r>
-              <a:rPr lang="en-US" smtClean="0"/>
+              <a:rPr lang="en-US"/>
               <a:t>Second level</a:t>
             </a:r>
           </a:p>
           <a:p>
             <a:pPr lvl="2"/>
             <a:r>
-              <a:rPr lang="en-US" smtClean="0"/>
+              <a:rPr lang="en-US"/>
               <a:t>Third level</a:t>
             </a:r>
           </a:p>
           <a:p>
             <a:pPr lvl="3"/>
             <a:r>
-              <a:rPr lang="en-US" smtClean="0"/>
+              <a:rPr lang="en-US"/>
               <a:t>Fourth level</a:t>
             </a:r>
           </a:p>
           <a:p>
             <a:pPr lvl="4"/>
             <a:r>
-              <a:rPr lang="en-US" smtClean="0"/>
+              <a:rPr lang="en-US"/>
               <a:t>Fifth level</a:t>
             </a:r>
-            <a:endParaRPr lang="en-US"/>
           </a:p>
         </p:txBody>
       </p:sp>
@@ -2083,7 +2065,7 @@
           <a:p>
             <a:pPr lvl="0"/>
             <a:r>
-              <a:rPr lang="en-US" smtClean="0"/>
+              <a:rPr lang="en-US"/>
               <a:t>Click to edit Master text styles</a:t>
             </a:r>
           </a:p>
@@ -2106,7 +2088,7 @@
           <a:p>
             <a:fld id="{FA589A3D-E41F-452A-ADB5-895B11C00BC4}" type="datetimeFigureOut">
               <a:rPr lang="en-US" smtClean="0"/>
-              <a:t>8/13/2016</a:t>
+              <a:t>5/8/18</a:t>
             </a:fld>
             <a:endParaRPr lang="en-US"/>
           </a:p>
@@ -2209,10 +2191,9 @@
           </a:lstStyle>
           <a:p>
             <a:r>
-              <a:rPr lang="en-US" smtClean="0"/>
+              <a:rPr lang="en-US"/>
               <a:t>Click to edit Master title style</a:t>
             </a:r>
-            <a:endParaRPr lang="en-US"/>
           </a:p>
         </p:txBody>
       </p:sp>
@@ -2336,7 +2317,7 @@
           <a:p>
             <a:pPr lvl="0"/>
             <a:r>
-              <a:rPr lang="en-US" smtClean="0"/>
+              <a:rPr lang="en-US"/>
               <a:t>Click to edit Master text styles</a:t>
             </a:r>
           </a:p>
@@ -2359,7 +2340,7 @@
           <a:p>
             <a:fld id="{FA589A3D-E41F-452A-ADB5-895B11C00BC4}" type="datetimeFigureOut">
               <a:rPr lang="en-US" smtClean="0"/>
-              <a:t>8/13/2016</a:t>
+              <a:t>5/8/18</a:t>
             </a:fld>
             <a:endParaRPr lang="en-US"/>
           </a:p>
@@ -2468,10 +2449,9 @@
           <a:lstStyle/>
           <a:p>
             <a:r>
-              <a:rPr lang="en-US" smtClean="0"/>
+              <a:rPr lang="en-US"/>
               <a:t>Click to edit Master title style</a:t>
             </a:r>
-            <a:endParaRPr lang="en-US"/>
           </a:p>
         </p:txBody>
       </p:sp>
@@ -2502,38 +2482,37 @@
           <a:p>
             <a:pPr lvl="0"/>
             <a:r>
-              <a:rPr lang="en-US" smtClean="0"/>
+              <a:rPr lang="en-US"/>
               <a:t>Click to edit Master text styles</a:t>
             </a:r>
           </a:p>
           <a:p>
             <a:pPr lvl="1"/>
             <a:r>
-              <a:rPr lang="en-US" smtClean="0"/>
+              <a:rPr lang="en-US"/>
               <a:t>Second level</a:t>
             </a:r>
           </a:p>
           <a:p>
             <a:pPr lvl="2"/>
             <a:r>
-              <a:rPr lang="en-US" smtClean="0"/>
+              <a:rPr lang="en-US"/>
               <a:t>Third level</a:t>
             </a:r>
           </a:p>
           <a:p>
             <a:pPr lvl="3"/>
             <a:r>
-              <a:rPr lang="en-US" smtClean="0"/>
+              <a:rPr lang="en-US"/>
               <a:t>Fourth level</a:t>
             </a:r>
           </a:p>
           <a:p>
             <a:pPr lvl="4"/>
             <a:r>
-              <a:rPr lang="en-US" smtClean="0"/>
+              <a:rPr lang="en-US"/>
               <a:t>Fifth level</a:t>
             </a:r>
-            <a:endParaRPr lang="en-US"/>
           </a:p>
         </p:txBody>
       </p:sp>
@@ -2572,7 +2551,7 @@
           <a:p>
             <a:fld id="{FA589A3D-E41F-452A-ADB5-895B11C00BC4}" type="datetimeFigureOut">
               <a:rPr lang="en-US" smtClean="0"/>
-              <a:t>8/13/2016</a:t>
+              <a:t>5/8/18</a:t>
             </a:fld>
             <a:endParaRPr lang="en-US"/>
           </a:p>
@@ -3020,7 +2999,7 @@
           <a:p>
             <a:pPr algn="ctr"/>
             <a:r>
-              <a:rPr lang="en-US" sz="2400" dirty="0" smtClean="0">
+              <a:rPr lang="en-US" sz="2400" dirty="0">
                 <a:solidFill>
                   <a:srgbClr val="00B050"/>
                 </a:solidFill>
@@ -3031,7 +3010,7 @@
           <a:p>
             <a:pPr algn="ctr"/>
             <a:r>
-              <a:rPr lang="en-US" sz="2400" dirty="0" smtClean="0">
+              <a:rPr lang="en-US" sz="2400" dirty="0">
                 <a:solidFill>
                   <a:srgbClr val="FF0000"/>
                 </a:solidFill>
@@ -3084,7 +3063,7 @@
           <a:p>
             <a:pPr algn="ctr"/>
             <a:r>
-              <a:rPr lang="en-US" sz="2400" dirty="0" smtClean="0">
+              <a:rPr lang="en-US" sz="2400" dirty="0">
                 <a:solidFill>
                   <a:srgbClr val="00B050"/>
                 </a:solidFill>
@@ -3095,18 +3074,13 @@
           <a:p>
             <a:pPr algn="ctr"/>
             <a:r>
-              <a:rPr lang="en-US" sz="2400" dirty="0" smtClean="0">
+              <a:rPr lang="en-US" sz="2400" dirty="0">
                 <a:solidFill>
                   <a:srgbClr val="FF0000"/>
                 </a:solidFill>
               </a:rPr>
               <a:t>8</a:t>
             </a:r>
-            <a:endParaRPr lang="en-US" sz="2400" dirty="0">
-              <a:solidFill>
-                <a:srgbClr val="FF0000"/>
-              </a:solidFill>
-            </a:endParaRPr>
           </a:p>
         </p:txBody>
       </p:sp>
@@ -3192,7 +3166,7 @@
           <a:p>
             <a:pPr algn="ctr"/>
             <a:r>
-              <a:rPr lang="en-US" sz="2400" dirty="0" smtClean="0">
+              <a:rPr lang="en-US" sz="2400" dirty="0">
                 <a:solidFill>
                   <a:srgbClr val="00B050"/>
                 </a:solidFill>
@@ -3203,18 +3177,13 @@
           <a:p>
             <a:pPr algn="ctr"/>
             <a:r>
-              <a:rPr lang="en-US" sz="2400" dirty="0" smtClean="0">
+              <a:rPr lang="en-US" sz="2400" dirty="0">
                 <a:solidFill>
                   <a:srgbClr val="FF0000"/>
                 </a:solidFill>
               </a:rPr>
               <a:t>10</a:t>
             </a:r>
-            <a:endParaRPr lang="en-US" sz="2400" dirty="0">
-              <a:solidFill>
-                <a:srgbClr val="FF0000"/>
-              </a:solidFill>
-            </a:endParaRPr>
           </a:p>
         </p:txBody>
       </p:sp>
@@ -3300,7 +3269,7 @@
           <a:p>
             <a:pPr algn="ctr"/>
             <a:r>
-              <a:rPr lang="en-US" sz="2400" dirty="0" smtClean="0">
+              <a:rPr lang="en-US" sz="2400" dirty="0">
                 <a:solidFill>
                   <a:srgbClr val="00B050"/>
                 </a:solidFill>
@@ -3311,18 +3280,13 @@
           <a:p>
             <a:pPr algn="ctr"/>
             <a:r>
-              <a:rPr lang="en-US" sz="2400" dirty="0" smtClean="0">
+              <a:rPr lang="en-US" sz="2400" dirty="0">
                 <a:solidFill>
                   <a:srgbClr val="FF0000"/>
                 </a:solidFill>
               </a:rPr>
               <a:t>1</a:t>
             </a:r>
-            <a:endParaRPr lang="en-US" sz="2400" dirty="0">
-              <a:solidFill>
-                <a:srgbClr val="FF0000"/>
-              </a:solidFill>
-            </a:endParaRPr>
           </a:p>
         </p:txBody>
       </p:sp>
@@ -3408,7 +3372,7 @@
           <a:p>
             <a:pPr algn="ctr"/>
             <a:r>
-              <a:rPr lang="en-US" sz="2400" dirty="0" smtClean="0">
+              <a:rPr lang="en-US" sz="2400" dirty="0">
                 <a:solidFill>
                   <a:srgbClr val="00B050"/>
                 </a:solidFill>
@@ -3419,18 +3383,13 @@
           <a:p>
             <a:pPr algn="ctr"/>
             <a:r>
-              <a:rPr lang="en-US" sz="2400" dirty="0" smtClean="0">
+              <a:rPr lang="en-US" sz="2400" dirty="0">
                 <a:solidFill>
                   <a:srgbClr val="FF0000"/>
                 </a:solidFill>
               </a:rPr>
               <a:t>3</a:t>
             </a:r>
-            <a:endParaRPr lang="en-US" sz="2400" dirty="0">
-              <a:solidFill>
-                <a:srgbClr val="FF0000"/>
-              </a:solidFill>
-            </a:endParaRPr>
           </a:p>
         </p:txBody>
       </p:sp>
@@ -3516,7 +3475,7 @@
           <a:p>
             <a:pPr algn="ctr"/>
             <a:r>
-              <a:rPr lang="en-US" sz="2400" dirty="0" smtClean="0">
+              <a:rPr lang="en-US" sz="2400" dirty="0">
                 <a:solidFill>
                   <a:srgbClr val="00B050"/>
                 </a:solidFill>
@@ -3527,18 +3486,13 @@
           <a:p>
             <a:pPr algn="ctr"/>
             <a:r>
-              <a:rPr lang="en-US" sz="2400" dirty="0" smtClean="0">
+              <a:rPr lang="en-US" sz="2400" dirty="0">
                 <a:solidFill>
                   <a:srgbClr val="FF0000"/>
                 </a:solidFill>
               </a:rPr>
               <a:t>5</a:t>
             </a:r>
-            <a:endParaRPr lang="en-US" sz="2400" dirty="0">
-              <a:solidFill>
-                <a:srgbClr val="FF0000"/>
-              </a:solidFill>
-            </a:endParaRPr>
           </a:p>
         </p:txBody>
       </p:sp>
@@ -3620,7 +3574,7 @@
         <p:spPr>
           <a:xfrm>
             <a:off x="1522980" y="262720"/>
-            <a:ext cx="579549" cy="584775"/>
+            <a:ext cx="752160" cy="584775"/>
           </a:xfrm>
           <a:prstGeom prst="rect">
             <a:avLst/>
@@ -3634,18 +3588,13 @@
           <a:lstStyle/>
           <a:p>
             <a:r>
-              <a:rPr lang="en-US" sz="3200" b="1" dirty="0" smtClean="0">
+              <a:rPr lang="en-US" sz="3200" b="1" dirty="0">
                 <a:solidFill>
                   <a:srgbClr val="00B050"/>
                 </a:solidFill>
               </a:rPr>
               <a:t>A.</a:t>
             </a:r>
-            <a:endParaRPr lang="en-US" sz="3200" b="1" dirty="0">
-              <a:solidFill>
-                <a:srgbClr val="00B050"/>
-              </a:solidFill>
-            </a:endParaRPr>
           </a:p>
         </p:txBody>
       </p:sp>
@@ -3658,7 +3607,7 @@
         <p:spPr>
           <a:xfrm>
             <a:off x="6611338" y="262720"/>
-            <a:ext cx="579549" cy="584775"/>
+            <a:ext cx="846366" cy="584775"/>
           </a:xfrm>
           <a:prstGeom prst="rect">
             <a:avLst/>
@@ -3672,18 +3621,13 @@
           <a:lstStyle/>
           <a:p>
             <a:r>
-              <a:rPr lang="en-US" sz="3200" b="1" dirty="0" smtClean="0">
+              <a:rPr lang="en-US" sz="3200" b="1" dirty="0">
                 <a:solidFill>
                   <a:srgbClr val="00B050"/>
                 </a:solidFill>
               </a:rPr>
               <a:t>B.</a:t>
             </a:r>
-            <a:endParaRPr lang="en-US" sz="3200" b="1" dirty="0">
-              <a:solidFill>
-                <a:srgbClr val="00B050"/>
-              </a:solidFill>
-            </a:endParaRPr>
           </a:p>
         </p:txBody>
       </p:sp>
@@ -3696,7 +3640,7 @@
         <p:spPr>
           <a:xfrm>
             <a:off x="1521478" y="3895462"/>
-            <a:ext cx="579549" cy="584775"/>
+            <a:ext cx="678856" cy="584775"/>
           </a:xfrm>
           <a:prstGeom prst="rect">
             <a:avLst/>
@@ -3710,18 +3654,13 @@
           <a:lstStyle/>
           <a:p>
             <a:r>
-              <a:rPr lang="en-US" sz="3200" b="1" dirty="0" smtClean="0">
+              <a:rPr lang="en-US" sz="3200" b="1" dirty="0">
                 <a:solidFill>
                   <a:srgbClr val="00B050"/>
                 </a:solidFill>
               </a:rPr>
               <a:t>C.</a:t>
             </a:r>
-            <a:endParaRPr lang="en-US" sz="3200" b="1" dirty="0">
-              <a:solidFill>
-                <a:srgbClr val="00B050"/>
-              </a:solidFill>
-            </a:endParaRPr>
           </a:p>
         </p:txBody>
       </p:sp>
@@ -3734,7 +3673,7 @@
         <p:spPr>
           <a:xfrm>
             <a:off x="6611338" y="3895462"/>
-            <a:ext cx="579549" cy="584775"/>
+            <a:ext cx="846366" cy="584775"/>
           </a:xfrm>
           <a:prstGeom prst="rect">
             <a:avLst/>
@@ -3748,18 +3687,13 @@
           <a:lstStyle/>
           <a:p>
             <a:r>
-              <a:rPr lang="en-US" sz="3200" b="1" dirty="0" smtClean="0">
+              <a:rPr lang="en-US" sz="3200" b="1" dirty="0">
                 <a:solidFill>
                   <a:srgbClr val="00B050"/>
                 </a:solidFill>
               </a:rPr>
               <a:t>D.</a:t>
             </a:r>
-            <a:endParaRPr lang="en-US" sz="3200" b="1" dirty="0">
-              <a:solidFill>
-                <a:srgbClr val="00B050"/>
-              </a:solidFill>
-            </a:endParaRPr>
           </a:p>
         </p:txBody>
       </p:sp>
@@ -3806,7 +3740,7 @@
           <a:p>
             <a:pPr algn="ctr"/>
             <a:r>
-              <a:rPr lang="en-US" sz="2400" dirty="0" smtClean="0">
+              <a:rPr lang="en-US" sz="2400" dirty="0">
                 <a:solidFill>
                   <a:srgbClr val="00B050"/>
                 </a:solidFill>
@@ -3817,7 +3751,7 @@
           <a:p>
             <a:pPr algn="ctr"/>
             <a:r>
-              <a:rPr lang="en-US" sz="2400" dirty="0" smtClean="0">
+              <a:rPr lang="en-US" sz="2400" dirty="0">
                 <a:solidFill>
                   <a:srgbClr val="FF0000"/>
                 </a:solidFill>
@@ -3870,7 +3804,7 @@
           <a:p>
             <a:pPr algn="ctr"/>
             <a:r>
-              <a:rPr lang="en-US" sz="2400" dirty="0" smtClean="0">
+              <a:rPr lang="en-US" sz="2400" dirty="0">
                 <a:solidFill>
                   <a:srgbClr val="00B050"/>
                 </a:solidFill>
@@ -3881,18 +3815,13 @@
           <a:p>
             <a:pPr algn="ctr"/>
             <a:r>
-              <a:rPr lang="en-US" sz="2400" dirty="0" smtClean="0">
+              <a:rPr lang="en-US" sz="2400" dirty="0">
                 <a:solidFill>
                   <a:srgbClr val="FF0000"/>
                 </a:solidFill>
               </a:rPr>
               <a:t>8</a:t>
             </a:r>
-            <a:endParaRPr lang="en-US" sz="2400" dirty="0">
-              <a:solidFill>
-                <a:srgbClr val="FF0000"/>
-              </a:solidFill>
-            </a:endParaRPr>
           </a:p>
         </p:txBody>
       </p:sp>
@@ -3978,7 +3907,7 @@
           <a:p>
             <a:pPr algn="ctr"/>
             <a:r>
-              <a:rPr lang="en-US" sz="2400" dirty="0" smtClean="0">
+              <a:rPr lang="en-US" sz="2400" dirty="0">
                 <a:solidFill>
                   <a:srgbClr val="00B050"/>
                 </a:solidFill>
@@ -3989,18 +3918,13 @@
           <a:p>
             <a:pPr algn="ctr"/>
             <a:r>
-              <a:rPr lang="en-US" sz="2400" dirty="0" smtClean="0">
+              <a:rPr lang="en-US" sz="2400" dirty="0">
                 <a:solidFill>
                   <a:srgbClr val="FF0000"/>
                 </a:solidFill>
               </a:rPr>
               <a:t>10</a:t>
             </a:r>
-            <a:endParaRPr lang="en-US" sz="2400" dirty="0">
-              <a:solidFill>
-                <a:srgbClr val="FF0000"/>
-              </a:solidFill>
-            </a:endParaRPr>
           </a:p>
         </p:txBody>
       </p:sp>
@@ -4086,7 +4010,7 @@
           <a:p>
             <a:pPr algn="ctr"/>
             <a:r>
-              <a:rPr lang="en-US" sz="2400" dirty="0" smtClean="0">
+              <a:rPr lang="en-US" sz="2400" dirty="0">
                 <a:solidFill>
                   <a:srgbClr val="00B050"/>
                 </a:solidFill>
@@ -4097,18 +4021,13 @@
           <a:p>
             <a:pPr algn="ctr"/>
             <a:r>
-              <a:rPr lang="en-US" sz="2400" dirty="0" smtClean="0">
+              <a:rPr lang="en-US" sz="2400" dirty="0">
                 <a:solidFill>
                   <a:srgbClr val="FF0000"/>
                 </a:solidFill>
               </a:rPr>
               <a:t>1</a:t>
             </a:r>
-            <a:endParaRPr lang="en-US" sz="2400" dirty="0">
-              <a:solidFill>
-                <a:srgbClr val="FF0000"/>
-              </a:solidFill>
-            </a:endParaRPr>
           </a:p>
         </p:txBody>
       </p:sp>
@@ -4194,7 +4113,7 @@
           <a:p>
             <a:pPr algn="ctr"/>
             <a:r>
-              <a:rPr lang="en-US" sz="2400" dirty="0" smtClean="0">
+              <a:rPr lang="en-US" sz="2400" dirty="0">
                 <a:solidFill>
                   <a:srgbClr val="00B050"/>
                 </a:solidFill>
@@ -4205,18 +4124,13 @@
           <a:p>
             <a:pPr algn="ctr"/>
             <a:r>
-              <a:rPr lang="en-US" sz="2400" dirty="0" smtClean="0">
+              <a:rPr lang="en-US" sz="2400" dirty="0">
                 <a:solidFill>
                   <a:srgbClr val="FF0000"/>
                 </a:solidFill>
               </a:rPr>
               <a:t>3</a:t>
             </a:r>
-            <a:endParaRPr lang="en-US" sz="2400" dirty="0">
-              <a:solidFill>
-                <a:srgbClr val="FF0000"/>
-              </a:solidFill>
-            </a:endParaRPr>
           </a:p>
         </p:txBody>
       </p:sp>
@@ -4302,7 +4216,7 @@
           <a:p>
             <a:pPr algn="ctr"/>
             <a:r>
-              <a:rPr lang="en-US" sz="2400" dirty="0" smtClean="0">
+              <a:rPr lang="en-US" sz="2400" dirty="0">
                 <a:solidFill>
                   <a:srgbClr val="00B050"/>
                 </a:solidFill>
@@ -4313,18 +4227,13 @@
           <a:p>
             <a:pPr algn="ctr"/>
             <a:r>
-              <a:rPr lang="en-US" sz="2400" dirty="0" smtClean="0">
+              <a:rPr lang="en-US" sz="2400" dirty="0">
                 <a:solidFill>
                   <a:srgbClr val="FF0000"/>
                 </a:solidFill>
               </a:rPr>
               <a:t>5</a:t>
             </a:r>
-            <a:endParaRPr lang="en-US" sz="2400" dirty="0">
-              <a:solidFill>
-                <a:srgbClr val="FF0000"/>
-              </a:solidFill>
-            </a:endParaRPr>
           </a:p>
         </p:txBody>
       </p:sp>
@@ -4417,27 +4326,17 @@
               </a:rPr>
               <a:t>Q</a:t>
             </a:r>
-            <a:endParaRPr lang="en-US" sz="2400" dirty="0" smtClean="0">
-              <a:solidFill>
-                <a:srgbClr val="00B050"/>
-              </a:solidFill>
-            </a:endParaRPr>
-          </a:p>
-          <a:p>
-            <a:pPr algn="ctr"/>
-            <a:r>
-              <a:rPr lang="en-US" sz="2400" dirty="0" smtClean="0">
+          </a:p>
+          <a:p>
+            <a:pPr algn="ctr"/>
+            <a:r>
+              <a:rPr lang="en-US" sz="2400" dirty="0">
                 <a:solidFill>
                   <a:srgbClr val="FF0000"/>
                 </a:solidFill>
               </a:rPr>
               <a:t>20</a:t>
             </a:r>
-            <a:endParaRPr lang="en-US" sz="2400" dirty="0">
-              <a:solidFill>
-                <a:srgbClr val="FF0000"/>
-              </a:solidFill>
-            </a:endParaRPr>
           </a:p>
         </p:txBody>
       </p:sp>
@@ -4484,7 +4383,7 @@
           <a:p>
             <a:pPr algn="ctr"/>
             <a:r>
-              <a:rPr lang="en-US" sz="2400" dirty="0" smtClean="0">
+              <a:rPr lang="en-US" sz="2400" dirty="0">
                 <a:solidFill>
                   <a:srgbClr val="00B050"/>
                 </a:solidFill>
@@ -4495,7 +4394,7 @@
           <a:p>
             <a:pPr algn="ctr"/>
             <a:r>
-              <a:rPr lang="en-US" sz="2400" dirty="0" smtClean="0">
+              <a:rPr lang="en-US" sz="2400" dirty="0">
                 <a:solidFill>
                   <a:srgbClr val="FF0000"/>
                 </a:solidFill>
@@ -4548,7 +4447,7 @@
           <a:p>
             <a:pPr algn="ctr"/>
             <a:r>
-              <a:rPr lang="en-US" sz="2400" dirty="0" smtClean="0">
+              <a:rPr lang="en-US" sz="2400" dirty="0">
                 <a:solidFill>
                   <a:srgbClr val="00B050"/>
                 </a:solidFill>
@@ -4559,18 +4458,13 @@
           <a:p>
             <a:pPr algn="ctr"/>
             <a:r>
-              <a:rPr lang="en-US" sz="2400" dirty="0" smtClean="0">
+              <a:rPr lang="en-US" sz="2400" dirty="0">
                 <a:solidFill>
                   <a:srgbClr val="FF0000"/>
                 </a:solidFill>
               </a:rPr>
               <a:t>11</a:t>
             </a:r>
-            <a:endParaRPr lang="en-US" sz="2400" dirty="0">
-              <a:solidFill>
-                <a:srgbClr val="FF0000"/>
-              </a:solidFill>
-            </a:endParaRPr>
           </a:p>
         </p:txBody>
       </p:sp>
@@ -4656,7 +4550,7 @@
           <a:p>
             <a:pPr algn="ctr"/>
             <a:r>
-              <a:rPr lang="en-US" sz="2400" dirty="0" smtClean="0">
+              <a:rPr lang="en-US" sz="2400" dirty="0">
                 <a:solidFill>
                   <a:srgbClr val="00B050"/>
                 </a:solidFill>
@@ -4667,18 +4561,13 @@
           <a:p>
             <a:pPr algn="ctr"/>
             <a:r>
-              <a:rPr lang="en-US" sz="2400" dirty="0" smtClean="0">
+              <a:rPr lang="en-US" sz="2400" dirty="0">
                 <a:solidFill>
                   <a:srgbClr val="FF0000"/>
                 </a:solidFill>
               </a:rPr>
               <a:t>30</a:t>
             </a:r>
-            <a:endParaRPr lang="en-US" sz="2400" dirty="0">
-              <a:solidFill>
-                <a:srgbClr val="FF0000"/>
-              </a:solidFill>
-            </a:endParaRPr>
           </a:p>
         </p:txBody>
       </p:sp>
@@ -4764,7 +4653,7 @@
           <a:p>
             <a:pPr algn="ctr"/>
             <a:r>
-              <a:rPr lang="en-US" sz="2400" dirty="0" smtClean="0">
+              <a:rPr lang="en-US" sz="2400" dirty="0">
                 <a:solidFill>
                   <a:srgbClr val="00B050"/>
                 </a:solidFill>
@@ -4775,7 +4664,7 @@
           <a:p>
             <a:pPr algn="ctr"/>
             <a:r>
-              <a:rPr lang="en-US" sz="2400" dirty="0" smtClean="0">
+              <a:rPr lang="en-US" sz="2400" dirty="0">
                 <a:solidFill>
                   <a:srgbClr val="FF0000"/>
                 </a:solidFill>
@@ -4828,7 +4717,7 @@
           <a:p>
             <a:pPr algn="ctr"/>
             <a:r>
-              <a:rPr lang="en-US" sz="2400" dirty="0" smtClean="0">
+              <a:rPr lang="en-US" sz="2400" dirty="0">
                 <a:solidFill>
                   <a:srgbClr val="00B050"/>
                 </a:solidFill>
@@ -4839,18 +4728,13 @@
           <a:p>
             <a:pPr algn="ctr"/>
             <a:r>
-              <a:rPr lang="en-US" sz="2400" dirty="0" smtClean="0">
+              <a:rPr lang="en-US" sz="2400" dirty="0">
                 <a:solidFill>
                   <a:srgbClr val="FF0000"/>
                 </a:solidFill>
               </a:rPr>
               <a:t>11</a:t>
             </a:r>
-            <a:endParaRPr lang="en-US" sz="2400" dirty="0">
-              <a:solidFill>
-                <a:srgbClr val="FF0000"/>
-              </a:solidFill>
-            </a:endParaRPr>
           </a:p>
         </p:txBody>
       </p:sp>
@@ -4936,7 +4820,7 @@
           <a:p>
             <a:pPr algn="ctr"/>
             <a:r>
-              <a:rPr lang="en-US" sz="2400" dirty="0" smtClean="0">
+              <a:rPr lang="en-US" sz="2400" dirty="0">
                 <a:solidFill>
                   <a:srgbClr val="00B050"/>
                 </a:solidFill>
@@ -5069,7 +4953,7 @@
           <a:p>
             <a:pPr algn="ctr"/>
             <a:r>
-              <a:rPr lang="en-US" sz="2400" dirty="0" smtClean="0">
+              <a:rPr lang="en-US" sz="2400" dirty="0">
                 <a:solidFill>
                   <a:srgbClr val="00B050"/>
                 </a:solidFill>
@@ -5080,7 +4964,7 @@
           <a:p>
             <a:pPr algn="ctr"/>
             <a:r>
-              <a:rPr lang="en-US" sz="2400" dirty="0" smtClean="0">
+              <a:rPr lang="en-US" sz="2400" dirty="0">
                 <a:solidFill>
                   <a:srgbClr val="FF0000"/>
                 </a:solidFill>
@@ -5133,7 +5017,7 @@
           <a:p>
             <a:pPr algn="ctr"/>
             <a:r>
-              <a:rPr lang="en-US" sz="2400" dirty="0" smtClean="0">
+              <a:rPr lang="en-US" sz="2400" dirty="0">
                 <a:solidFill>
                   <a:srgbClr val="00B050"/>
                 </a:solidFill>
@@ -5144,18 +5028,13 @@
           <a:p>
             <a:pPr algn="ctr"/>
             <a:r>
-              <a:rPr lang="en-US" sz="2400" dirty="0" smtClean="0">
+              <a:rPr lang="en-US" sz="2400" dirty="0">
                 <a:solidFill>
                   <a:srgbClr val="FF0000"/>
                 </a:solidFill>
               </a:rPr>
               <a:t>8</a:t>
             </a:r>
-            <a:endParaRPr lang="en-US" sz="2400" dirty="0">
-              <a:solidFill>
-                <a:srgbClr val="FF0000"/>
-              </a:solidFill>
-            </a:endParaRPr>
           </a:p>
         </p:txBody>
       </p:sp>
@@ -5241,7 +5120,7 @@
           <a:p>
             <a:pPr algn="ctr"/>
             <a:r>
-              <a:rPr lang="en-US" sz="2400" dirty="0" smtClean="0">
+              <a:rPr lang="en-US" sz="2400" dirty="0">
                 <a:solidFill>
                   <a:srgbClr val="00B050"/>
                 </a:solidFill>
@@ -5252,18 +5131,13 @@
           <a:p>
             <a:pPr algn="ctr"/>
             <a:r>
-              <a:rPr lang="en-US" sz="2400" dirty="0" smtClean="0">
+              <a:rPr lang="en-US" sz="2400" dirty="0">
                 <a:solidFill>
                   <a:srgbClr val="FF0000"/>
                 </a:solidFill>
               </a:rPr>
               <a:t>11</a:t>
             </a:r>
-            <a:endParaRPr lang="en-US" sz="2400" dirty="0">
-              <a:solidFill>
-                <a:srgbClr val="FF0000"/>
-              </a:solidFill>
-            </a:endParaRPr>
           </a:p>
         </p:txBody>
       </p:sp>
@@ -5385,7 +5259,7 @@
           <a:p>
             <a:pPr algn="ctr"/>
             <a:r>
-              <a:rPr lang="en-US" sz="2400" dirty="0" smtClean="0">
+              <a:rPr lang="en-US" sz="2400" dirty="0">
                 <a:solidFill>
                   <a:srgbClr val="00B050"/>
                 </a:solidFill>
@@ -5396,7 +5270,7 @@
           <a:p>
             <a:pPr algn="ctr"/>
             <a:r>
-              <a:rPr lang="en-US" sz="2400" dirty="0" smtClean="0">
+              <a:rPr lang="en-US" sz="2400" dirty="0">
                 <a:solidFill>
                   <a:srgbClr val="FF0000"/>
                 </a:solidFill>
@@ -5449,7 +5323,7 @@
           <a:p>
             <a:pPr algn="ctr"/>
             <a:r>
-              <a:rPr lang="en-US" sz="2400" dirty="0" smtClean="0">
+              <a:rPr lang="en-US" sz="2400" dirty="0">
                 <a:solidFill>
                   <a:srgbClr val="00B050"/>
                 </a:solidFill>
@@ -5460,18 +5334,13 @@
           <a:p>
             <a:pPr algn="ctr"/>
             <a:r>
-              <a:rPr lang="en-US" sz="2400" dirty="0" smtClean="0">
+              <a:rPr lang="en-US" sz="2400" dirty="0">
                 <a:solidFill>
                   <a:srgbClr val="FF0000"/>
                 </a:solidFill>
               </a:rPr>
               <a:t>8</a:t>
             </a:r>
-            <a:endParaRPr lang="en-US" sz="2400" dirty="0">
-              <a:solidFill>
-                <a:srgbClr val="FF0000"/>
-              </a:solidFill>
-            </a:endParaRPr>
           </a:p>
         </p:txBody>
       </p:sp>
@@ -5557,7 +5426,7 @@
           <a:p>
             <a:pPr algn="ctr"/>
             <a:r>
-              <a:rPr lang="en-US" sz="2400" dirty="0" smtClean="0">
+              <a:rPr lang="en-US" sz="2400" dirty="0">
                 <a:solidFill>
                   <a:srgbClr val="00B050"/>
                 </a:solidFill>
@@ -5568,18 +5437,13 @@
           <a:p>
             <a:pPr algn="ctr"/>
             <a:r>
-              <a:rPr lang="en-US" sz="2400" dirty="0" smtClean="0">
+              <a:rPr lang="en-US" sz="2400" dirty="0">
                 <a:solidFill>
                   <a:srgbClr val="FF0000"/>
                 </a:solidFill>
               </a:rPr>
               <a:t>11</a:t>
             </a:r>
-            <a:endParaRPr lang="en-US" sz="2400" dirty="0">
-              <a:solidFill>
-                <a:srgbClr val="FF0000"/>
-              </a:solidFill>
-            </a:endParaRPr>
           </a:p>
         </p:txBody>
       </p:sp>
@@ -5665,7 +5529,7 @@
           <a:p>
             <a:pPr algn="ctr"/>
             <a:r>
-              <a:rPr lang="en-US" sz="2400" dirty="0" smtClean="0">
+              <a:rPr lang="en-US" sz="2400" dirty="0">
                 <a:solidFill>
                   <a:srgbClr val="00B050"/>
                 </a:solidFill>
@@ -5676,18 +5540,13 @@
           <a:p>
             <a:pPr algn="ctr"/>
             <a:r>
-              <a:rPr lang="en-US" sz="2400" dirty="0" smtClean="0">
+              <a:rPr lang="en-US" sz="2400" dirty="0">
                 <a:solidFill>
                   <a:srgbClr val="FF0000"/>
                 </a:solidFill>
               </a:rPr>
               <a:t>15</a:t>
             </a:r>
-            <a:endParaRPr lang="en-US" sz="2400" dirty="0">
-              <a:solidFill>
-                <a:srgbClr val="FF0000"/>
-              </a:solidFill>
-            </a:endParaRPr>
           </a:p>
         </p:txBody>
       </p:sp>
@@ -5803,7 +5662,7 @@
           <a:p>
             <a:pPr algn="ctr"/>
             <a:r>
-              <a:rPr lang="en-US" sz="2400" i="1" dirty="0" smtClean="0">
+              <a:rPr lang="en-US" sz="2400" i="1" dirty="0">
                 <a:solidFill>
                   <a:schemeClr val="tx1"/>
                 </a:solidFill>
@@ -5856,18 +5715,13 @@
           <a:p>
             <a:pPr algn="ctr"/>
             <a:r>
-              <a:rPr lang="en-US" sz="2400" i="1" dirty="0" smtClean="0">
+              <a:rPr lang="en-US" sz="2400" i="1" dirty="0">
                 <a:solidFill>
                   <a:schemeClr val="tx1"/>
                 </a:solidFill>
               </a:rPr>
               <a:t>a</a:t>
             </a:r>
-            <a:endParaRPr lang="en-US" sz="2400" i="1" dirty="0">
-              <a:solidFill>
-                <a:schemeClr val="tx1"/>
-              </a:solidFill>
-            </a:endParaRPr>
           </a:p>
         </p:txBody>
       </p:sp>
@@ -5992,7 +5846,7 @@
           <a:p>
             <a:pPr algn="ctr"/>
             <a:r>
-              <a:rPr lang="en-US" sz="2400" i="1" dirty="0" smtClean="0">
+              <a:rPr lang="en-US" sz="2400" i="1" dirty="0">
                 <a:solidFill>
                   <a:schemeClr val="tx1"/>
                 </a:solidFill>
@@ -6092,7 +5946,7 @@
           <a:p>
             <a:pPr algn="ctr"/>
             <a:r>
-              <a:rPr lang="en-US" sz="2400" i="1" dirty="0" smtClean="0">
+              <a:rPr lang="en-US" sz="2400" i="1" dirty="0">
                 <a:solidFill>
                   <a:schemeClr val="tx1"/>
                 </a:solidFill>
@@ -6192,7 +6046,7 @@
           <a:p>
             <a:pPr algn="ctr"/>
             <a:r>
-              <a:rPr lang="en-US" sz="2400" i="1" dirty="0" smtClean="0">
+              <a:rPr lang="en-US" sz="2400" i="1" dirty="0">
                 <a:solidFill>
                   <a:schemeClr val="tx1"/>
                 </a:solidFill>
@@ -6289,7 +6143,7 @@
           <a:p>
             <a:pPr algn="ctr"/>
             <a:r>
-              <a:rPr lang="en-US" sz="2400" i="1" dirty="0" smtClean="0">
+              <a:rPr lang="en-US" sz="2400" i="1" dirty="0">
                 <a:solidFill>
                   <a:schemeClr val="tx1"/>
                 </a:solidFill>
@@ -6342,18 +6196,13 @@
           <a:p>
             <a:pPr algn="ctr"/>
             <a:r>
-              <a:rPr lang="en-US" sz="2400" i="1" dirty="0" smtClean="0">
+              <a:rPr lang="en-US" sz="2400" i="1" dirty="0">
                 <a:solidFill>
                   <a:schemeClr val="tx1"/>
                 </a:solidFill>
               </a:rPr>
               <a:t>b</a:t>
             </a:r>
-            <a:endParaRPr lang="en-US" sz="2400" i="1" dirty="0">
-              <a:solidFill>
-                <a:schemeClr val="tx1"/>
-              </a:solidFill>
-            </a:endParaRPr>
           </a:p>
         </p:txBody>
       </p:sp>
@@ -6478,7 +6327,7 @@
           <a:p>
             <a:pPr algn="ctr"/>
             <a:r>
-              <a:rPr lang="en-US" sz="2400" i="1" dirty="0" smtClean="0">
+              <a:rPr lang="en-US" sz="2400" i="1" dirty="0">
                 <a:solidFill>
                   <a:schemeClr val="tx1"/>
                 </a:solidFill>
@@ -6578,7 +6427,7 @@
           <a:p>
             <a:pPr algn="ctr"/>
             <a:r>
-              <a:rPr lang="en-US" sz="2400" i="1" dirty="0" smtClean="0">
+              <a:rPr lang="en-US" sz="2400" i="1" dirty="0">
                 <a:solidFill>
                   <a:schemeClr val="tx1"/>
                 </a:solidFill>
@@ -6678,7 +6527,7 @@
           <a:p>
             <a:pPr algn="ctr"/>
             <a:r>
-              <a:rPr lang="en-US" sz="2400" i="1" dirty="0" smtClean="0">
+              <a:rPr lang="en-US" sz="2400" i="1" dirty="0">
                 <a:solidFill>
                   <a:schemeClr val="tx1"/>
                 </a:solidFill>
@@ -6756,18 +6605,13 @@
           <a:p>
             <a:pPr algn="ctr"/>
             <a:r>
-              <a:rPr lang="en-US" sz="3600" dirty="0" smtClean="0">
+              <a:rPr lang="en-US" sz="3600" dirty="0">
                 <a:solidFill>
                   <a:srgbClr val="0070C0"/>
                 </a:solidFill>
               </a:rPr>
               <a:t>Right</a:t>
             </a:r>
-            <a:endParaRPr lang="en-US" sz="3600" dirty="0">
-              <a:solidFill>
-                <a:srgbClr val="0070C0"/>
-              </a:solidFill>
-            </a:endParaRPr>
           </a:p>
         </p:txBody>
       </p:sp>
@@ -6795,18 +6639,13 @@
           <a:p>
             <a:pPr algn="ctr"/>
             <a:r>
-              <a:rPr lang="en-US" sz="3600" dirty="0" smtClean="0">
+              <a:rPr lang="en-US" sz="3600" dirty="0">
                 <a:solidFill>
                   <a:srgbClr val="00B050"/>
                 </a:solidFill>
               </a:rPr>
               <a:t>Left</a:t>
             </a:r>
-            <a:endParaRPr lang="en-US" sz="3600" dirty="0">
-              <a:solidFill>
-                <a:srgbClr val="00B050"/>
-              </a:solidFill>
-            </a:endParaRPr>
           </a:p>
         </p:txBody>
       </p:sp>
@@ -6919,7 +6758,7 @@
           <a:p>
             <a:pPr algn="ctr"/>
             <a:r>
-              <a:rPr lang="en-US" sz="2400" dirty="0" smtClean="0">
+              <a:rPr lang="en-US" sz="2400" dirty="0">
                 <a:solidFill>
                   <a:srgbClr val="00B050"/>
                 </a:solidFill>
@@ -6930,7 +6769,7 @@
           <a:p>
             <a:pPr algn="ctr"/>
             <a:r>
-              <a:rPr lang="en-US" sz="2400" dirty="0" smtClean="0">
+              <a:rPr lang="en-US" sz="2400" dirty="0">
                 <a:solidFill>
                   <a:srgbClr val="FF0000"/>
                 </a:solidFill>
@@ -6983,7 +6822,7 @@
           <a:p>
             <a:pPr algn="ctr"/>
             <a:r>
-              <a:rPr lang="en-US" sz="2400" dirty="0" smtClean="0">
+              <a:rPr lang="en-US" sz="2400" dirty="0">
                 <a:solidFill>
                   <a:srgbClr val="00B050"/>
                 </a:solidFill>
@@ -6994,18 +6833,13 @@
           <a:p>
             <a:pPr algn="ctr"/>
             <a:r>
-              <a:rPr lang="en-US" sz="2400" dirty="0" smtClean="0">
+              <a:rPr lang="en-US" sz="2400" dirty="0">
                 <a:solidFill>
                   <a:srgbClr val="FF0000"/>
                 </a:solidFill>
               </a:rPr>
               <a:t>8</a:t>
             </a:r>
-            <a:endParaRPr lang="en-US" sz="2400" dirty="0">
-              <a:solidFill>
-                <a:srgbClr val="FF0000"/>
-              </a:solidFill>
-            </a:endParaRPr>
           </a:p>
         </p:txBody>
       </p:sp>
@@ -7091,7 +6925,7 @@
           <a:p>
             <a:pPr algn="ctr"/>
             <a:r>
-              <a:rPr lang="en-US" sz="2400" dirty="0" smtClean="0">
+              <a:rPr lang="en-US" sz="2400" dirty="0">
                 <a:solidFill>
                   <a:srgbClr val="00B050"/>
                 </a:solidFill>
@@ -7102,18 +6936,13 @@
           <a:p>
             <a:pPr algn="ctr"/>
             <a:r>
-              <a:rPr lang="en-US" sz="2400" dirty="0" smtClean="0">
+              <a:rPr lang="en-US" sz="2400" dirty="0">
                 <a:solidFill>
                   <a:srgbClr val="FF0000"/>
                 </a:solidFill>
               </a:rPr>
               <a:t>11</a:t>
             </a:r>
-            <a:endParaRPr lang="en-US" sz="2400" dirty="0">
-              <a:solidFill>
-                <a:srgbClr val="FF0000"/>
-              </a:solidFill>
-            </a:endParaRPr>
           </a:p>
         </p:txBody>
       </p:sp>
@@ -7199,7 +7028,7 @@
           <a:p>
             <a:pPr algn="ctr"/>
             <a:r>
-              <a:rPr lang="en-US" sz="2400" dirty="0" smtClean="0">
+              <a:rPr lang="en-US" sz="2400" dirty="0">
                 <a:solidFill>
                   <a:srgbClr val="00B050"/>
                 </a:solidFill>
@@ -7210,18 +7039,13 @@
           <a:p>
             <a:pPr algn="ctr"/>
             <a:r>
-              <a:rPr lang="en-US" sz="2400" dirty="0" smtClean="0">
+              <a:rPr lang="en-US" sz="2400" dirty="0">
                 <a:solidFill>
                   <a:srgbClr val="FF0000"/>
                 </a:solidFill>
               </a:rPr>
               <a:t>15</a:t>
             </a:r>
-            <a:endParaRPr lang="en-US" sz="2400" dirty="0">
-              <a:solidFill>
-                <a:srgbClr val="FF0000"/>
-              </a:solidFill>
-            </a:endParaRPr>
           </a:p>
         </p:txBody>
       </p:sp>
@@ -7353,7 +7177,7 @@
           <a:p>
             <a:pPr algn="ctr"/>
             <a:r>
-              <a:rPr lang="en-US" sz="2400" dirty="0" smtClean="0">
+              <a:rPr lang="en-US" sz="2400" dirty="0">
                 <a:solidFill>
                   <a:srgbClr val="00B050"/>
                 </a:solidFill>
@@ -7364,7 +7188,7 @@
           <a:p>
             <a:pPr algn="ctr"/>
             <a:r>
-              <a:rPr lang="en-US" sz="2400" dirty="0" smtClean="0">
+              <a:rPr lang="en-US" sz="2400" dirty="0">
                 <a:solidFill>
                   <a:srgbClr val="FF0000"/>
                 </a:solidFill>
@@ -7417,7 +7241,7 @@
           <a:p>
             <a:pPr algn="ctr"/>
             <a:r>
-              <a:rPr lang="en-US" sz="2400" dirty="0" smtClean="0">
+              <a:rPr lang="en-US" sz="2400" dirty="0">
                 <a:solidFill>
                   <a:srgbClr val="00B050"/>
                 </a:solidFill>
@@ -7428,18 +7252,13 @@
           <a:p>
             <a:pPr algn="ctr"/>
             <a:r>
-              <a:rPr lang="en-US" sz="2400" dirty="0" smtClean="0">
+              <a:rPr lang="en-US" sz="2400" dirty="0">
                 <a:solidFill>
                   <a:srgbClr val="FF0000"/>
                 </a:solidFill>
               </a:rPr>
               <a:t>8</a:t>
             </a:r>
-            <a:endParaRPr lang="en-US" sz="2400" dirty="0">
-              <a:solidFill>
-                <a:srgbClr val="FF0000"/>
-              </a:solidFill>
-            </a:endParaRPr>
           </a:p>
         </p:txBody>
       </p:sp>
@@ -7525,7 +7344,7 @@
           <a:p>
             <a:pPr algn="ctr"/>
             <a:r>
-              <a:rPr lang="en-US" sz="2400" dirty="0" smtClean="0">
+              <a:rPr lang="en-US" sz="2400" dirty="0">
                 <a:solidFill>
                   <a:srgbClr val="00B050"/>
                 </a:solidFill>
@@ -7536,18 +7355,13 @@
           <a:p>
             <a:pPr algn="ctr"/>
             <a:r>
-              <a:rPr lang="en-US" sz="2400" dirty="0" smtClean="0">
+              <a:rPr lang="en-US" sz="2400" dirty="0">
                 <a:solidFill>
                   <a:srgbClr val="FF0000"/>
                 </a:solidFill>
               </a:rPr>
               <a:t>15</a:t>
             </a:r>
-            <a:endParaRPr lang="en-US" sz="2400" dirty="0">
-              <a:solidFill>
-                <a:srgbClr val="FF0000"/>
-              </a:solidFill>
-            </a:endParaRPr>
           </a:p>
         </p:txBody>
       </p:sp>
@@ -7633,7 +7447,7 @@
           <a:p>
             <a:pPr algn="ctr"/>
             <a:r>
-              <a:rPr lang="en-US" sz="2400" dirty="0" smtClean="0">
+              <a:rPr lang="en-US" sz="2400" dirty="0">
                 <a:solidFill>
                   <a:srgbClr val="00B050"/>
                 </a:solidFill>
@@ -7644,18 +7458,13 @@
           <a:p>
             <a:pPr algn="ctr"/>
             <a:r>
-              <a:rPr lang="en-US" sz="2400" dirty="0" smtClean="0">
+              <a:rPr lang="en-US" sz="2400" dirty="0">
                 <a:solidFill>
                   <a:srgbClr val="FF0000"/>
                 </a:solidFill>
               </a:rPr>
               <a:t>11</a:t>
             </a:r>
-            <a:endParaRPr lang="en-US" sz="2400" dirty="0">
-              <a:solidFill>
-                <a:srgbClr val="FF0000"/>
-              </a:solidFill>
-            </a:endParaRPr>
           </a:p>
         </p:txBody>
       </p:sp>
@@ -7771,34 +7580,24 @@
           <a:p>
             <a:pPr algn="ctr"/>
             <a:r>
-              <a:rPr lang="en-US" sz="2400" dirty="0" smtClean="0">
+              <a:rPr lang="en-US" sz="2400" dirty="0">
                 <a:solidFill>
                   <a:srgbClr val="00B050"/>
                 </a:solidFill>
               </a:rPr>
               <a:t>L</a:t>
             </a:r>
-            <a:endParaRPr lang="en-US" sz="2400" dirty="0" smtClean="0">
-              <a:solidFill>
-                <a:srgbClr val="00B050"/>
-              </a:solidFill>
-            </a:endParaRPr>
-          </a:p>
-          <a:p>
-            <a:pPr algn="ctr"/>
-            <a:r>
-              <a:rPr lang="en-US" sz="2400" dirty="0" smtClean="0">
+          </a:p>
+          <a:p>
+            <a:pPr algn="ctr"/>
+            <a:r>
+              <a:rPr lang="en-US" sz="2400" dirty="0">
                 <a:solidFill>
                   <a:srgbClr val="FF0000"/>
                 </a:solidFill>
               </a:rPr>
               <a:t>15</a:t>
             </a:r>
-            <a:endParaRPr lang="en-US" sz="2400" dirty="0" smtClean="0">
-              <a:solidFill>
-                <a:srgbClr val="FF0000"/>
-              </a:solidFill>
-            </a:endParaRPr>
           </a:p>
         </p:txBody>
       </p:sp>
@@ -7845,34 +7644,24 @@
           <a:p>
             <a:pPr algn="ctr"/>
             <a:r>
-              <a:rPr lang="en-US" sz="2400" dirty="0" smtClean="0">
+              <a:rPr lang="en-US" sz="2400" dirty="0">
                 <a:solidFill>
                   <a:srgbClr val="00B050"/>
                 </a:solidFill>
               </a:rPr>
               <a:t>E</a:t>
             </a:r>
-            <a:endParaRPr lang="en-US" sz="2400" dirty="0" smtClean="0">
-              <a:solidFill>
-                <a:srgbClr val="00B050"/>
-              </a:solidFill>
-            </a:endParaRPr>
-          </a:p>
-          <a:p>
-            <a:pPr algn="ctr"/>
-            <a:r>
-              <a:rPr lang="en-US" sz="2400" dirty="0" smtClean="0">
+          </a:p>
+          <a:p>
+            <a:pPr algn="ctr"/>
+            <a:r>
+              <a:rPr lang="en-US" sz="2400" dirty="0">
                 <a:solidFill>
                   <a:srgbClr val="FF0000"/>
                 </a:solidFill>
               </a:rPr>
               <a:t>8</a:t>
             </a:r>
-            <a:endParaRPr lang="en-US" sz="2400" dirty="0">
-              <a:solidFill>
-                <a:srgbClr val="FF0000"/>
-              </a:solidFill>
-            </a:endParaRPr>
           </a:p>
         </p:txBody>
       </p:sp>
@@ -7958,34 +7747,24 @@
           <a:p>
             <a:pPr algn="ctr"/>
             <a:r>
-              <a:rPr lang="en-US" sz="2400" dirty="0" smtClean="0">
+              <a:rPr lang="en-US" sz="2400" dirty="0">
                 <a:solidFill>
                   <a:srgbClr val="00B050"/>
                 </a:solidFill>
               </a:rPr>
               <a:t>T</a:t>
             </a:r>
-            <a:endParaRPr lang="en-US" sz="2400" dirty="0" smtClean="0">
-              <a:solidFill>
-                <a:srgbClr val="00B050"/>
-              </a:solidFill>
-            </a:endParaRPr>
-          </a:p>
-          <a:p>
-            <a:pPr algn="ctr"/>
-            <a:r>
-              <a:rPr lang="en-US" sz="2400" dirty="0" smtClean="0">
+          </a:p>
+          <a:p>
+            <a:pPr algn="ctr"/>
+            <a:r>
+              <a:rPr lang="en-US" sz="2400" dirty="0">
                 <a:solidFill>
                   <a:srgbClr val="FF0000"/>
                 </a:solidFill>
               </a:rPr>
               <a:t>10</a:t>
             </a:r>
-            <a:endParaRPr lang="en-US" sz="2400" dirty="0">
-              <a:solidFill>
-                <a:srgbClr val="FF0000"/>
-              </a:solidFill>
-            </a:endParaRPr>
           </a:p>
         </p:txBody>
       </p:sp>
@@ -8107,34 +7886,24 @@
           <a:p>
             <a:pPr algn="ctr"/>
             <a:r>
-              <a:rPr lang="en-US" sz="2400" dirty="0" smtClean="0">
+              <a:rPr lang="en-US" sz="2400" dirty="0">
                 <a:solidFill>
                   <a:srgbClr val="00B050"/>
                 </a:solidFill>
               </a:rPr>
               <a:t>Q</a:t>
             </a:r>
-            <a:endParaRPr lang="en-US" sz="2400" dirty="0" smtClean="0">
-              <a:solidFill>
-                <a:srgbClr val="00B050"/>
-              </a:solidFill>
-            </a:endParaRPr>
-          </a:p>
-          <a:p>
-            <a:pPr algn="ctr"/>
-            <a:r>
-              <a:rPr lang="en-US" sz="2400" dirty="0" smtClean="0">
+          </a:p>
+          <a:p>
+            <a:pPr algn="ctr"/>
+            <a:r>
+              <a:rPr lang="en-US" sz="2400" dirty="0">
                 <a:solidFill>
                   <a:srgbClr val="FF0000"/>
                 </a:solidFill>
               </a:rPr>
               <a:t>5</a:t>
             </a:r>
-            <a:endParaRPr lang="en-US" sz="2400" dirty="0">
-              <a:solidFill>
-                <a:srgbClr val="FF0000"/>
-              </a:solidFill>
-            </a:endParaRPr>
           </a:p>
         </p:txBody>
       </p:sp>
@@ -8220,34 +7989,24 @@
           <a:p>
             <a:pPr algn="ctr"/>
             <a:r>
-              <a:rPr lang="en-US" sz="2400" dirty="0" smtClean="0">
+              <a:rPr lang="en-US" sz="2400" dirty="0">
                 <a:solidFill>
                   <a:srgbClr val="00B050"/>
                 </a:solidFill>
               </a:rPr>
               <a:t>Z</a:t>
             </a:r>
-            <a:endParaRPr lang="en-US" sz="2400" dirty="0" smtClean="0">
-              <a:solidFill>
-                <a:srgbClr val="00B050"/>
-              </a:solidFill>
-            </a:endParaRPr>
-          </a:p>
-          <a:p>
-            <a:pPr algn="ctr"/>
-            <a:r>
-              <a:rPr lang="en-US" sz="2400" dirty="0" smtClean="0">
+          </a:p>
+          <a:p>
+            <a:pPr algn="ctr"/>
+            <a:r>
+              <a:rPr lang="en-US" sz="2400" dirty="0">
                 <a:solidFill>
                   <a:srgbClr val="FF0000"/>
                 </a:solidFill>
               </a:rPr>
               <a:t>7</a:t>
             </a:r>
-            <a:endParaRPr lang="en-US" sz="2400" dirty="0">
-              <a:solidFill>
-                <a:srgbClr val="FF0000"/>
-              </a:solidFill>
-            </a:endParaRPr>
           </a:p>
         </p:txBody>
       </p:sp>
@@ -8333,34 +8092,24 @@
           <a:p>
             <a:pPr algn="ctr"/>
             <a:r>
-              <a:rPr lang="en-US" sz="2400" dirty="0" smtClean="0">
+              <a:rPr lang="en-US" sz="2400" dirty="0">
                 <a:solidFill>
                   <a:srgbClr val="00B050"/>
                 </a:solidFill>
               </a:rPr>
               <a:t>L</a:t>
             </a:r>
-            <a:endParaRPr lang="en-US" sz="2400" dirty="0" smtClean="0">
-              <a:solidFill>
-                <a:srgbClr val="00B050"/>
-              </a:solidFill>
-            </a:endParaRPr>
-          </a:p>
-          <a:p>
-            <a:pPr algn="ctr"/>
-            <a:r>
-              <a:rPr lang="en-US" sz="2400" dirty="0" smtClean="0">
+          </a:p>
+          <a:p>
+            <a:pPr algn="ctr"/>
+            <a:r>
+              <a:rPr lang="en-US" sz="2400" dirty="0">
                 <a:solidFill>
                   <a:srgbClr val="FF0000"/>
                 </a:solidFill>
               </a:rPr>
               <a:t>15</a:t>
             </a:r>
-            <a:endParaRPr lang="en-US" sz="2400" dirty="0" smtClean="0">
-              <a:solidFill>
-                <a:srgbClr val="FF0000"/>
-              </a:solidFill>
-            </a:endParaRPr>
           </a:p>
         </p:txBody>
       </p:sp>
@@ -8407,34 +8156,24 @@
           <a:p>
             <a:pPr algn="ctr"/>
             <a:r>
-              <a:rPr lang="en-US" sz="2400" dirty="0" smtClean="0">
+              <a:rPr lang="en-US" sz="2400" dirty="0">
                 <a:solidFill>
                   <a:srgbClr val="00B050"/>
                 </a:solidFill>
               </a:rPr>
               <a:t>E</a:t>
             </a:r>
-            <a:endParaRPr lang="en-US" sz="2400" dirty="0" smtClean="0">
-              <a:solidFill>
-                <a:srgbClr val="00B050"/>
-              </a:solidFill>
-            </a:endParaRPr>
-          </a:p>
-          <a:p>
-            <a:pPr algn="ctr"/>
-            <a:r>
-              <a:rPr lang="en-US" sz="2400" dirty="0" smtClean="0">
+          </a:p>
+          <a:p>
+            <a:pPr algn="ctr"/>
+            <a:r>
+              <a:rPr lang="en-US" sz="2400" dirty="0">
                 <a:solidFill>
                   <a:srgbClr val="FF0000"/>
                 </a:solidFill>
               </a:rPr>
               <a:t>8</a:t>
             </a:r>
-            <a:endParaRPr lang="en-US" sz="2400" dirty="0">
-              <a:solidFill>
-                <a:srgbClr val="FF0000"/>
-              </a:solidFill>
-            </a:endParaRPr>
           </a:p>
         </p:txBody>
       </p:sp>
@@ -8520,34 +8259,24 @@
           <a:p>
             <a:pPr algn="ctr"/>
             <a:r>
-              <a:rPr lang="en-US" sz="2400" dirty="0" smtClean="0">
+              <a:rPr lang="en-US" sz="2400" dirty="0">
                 <a:solidFill>
                   <a:srgbClr val="00B050"/>
                 </a:solidFill>
               </a:rPr>
               <a:t>T</a:t>
             </a:r>
-            <a:endParaRPr lang="en-US" sz="2400" dirty="0" smtClean="0">
-              <a:solidFill>
-                <a:srgbClr val="00B050"/>
-              </a:solidFill>
-            </a:endParaRPr>
-          </a:p>
-          <a:p>
-            <a:pPr algn="ctr"/>
-            <a:r>
-              <a:rPr lang="en-US" sz="2400" dirty="0" smtClean="0">
+          </a:p>
+          <a:p>
+            <a:pPr algn="ctr"/>
+            <a:r>
+              <a:rPr lang="en-US" sz="2400" dirty="0">
                 <a:solidFill>
                   <a:srgbClr val="FF0000"/>
                 </a:solidFill>
               </a:rPr>
               <a:t>10</a:t>
             </a:r>
-            <a:endParaRPr lang="en-US" sz="2400" dirty="0">
-              <a:solidFill>
-                <a:srgbClr val="FF0000"/>
-              </a:solidFill>
-            </a:endParaRPr>
           </a:p>
         </p:txBody>
       </p:sp>
@@ -8633,34 +8362,24 @@
           <a:p>
             <a:pPr algn="ctr"/>
             <a:r>
-              <a:rPr lang="en-US" sz="2400" dirty="0" smtClean="0">
+              <a:rPr lang="en-US" sz="2400" dirty="0">
                 <a:solidFill>
                   <a:srgbClr val="00B050"/>
                 </a:solidFill>
               </a:rPr>
               <a:t>Q</a:t>
             </a:r>
-            <a:endParaRPr lang="en-US" sz="2400" dirty="0" smtClean="0">
-              <a:solidFill>
-                <a:srgbClr val="00B050"/>
-              </a:solidFill>
-            </a:endParaRPr>
-          </a:p>
-          <a:p>
-            <a:pPr algn="ctr"/>
-            <a:r>
-              <a:rPr lang="en-US" sz="2400" dirty="0" smtClean="0">
+          </a:p>
+          <a:p>
+            <a:pPr algn="ctr"/>
+            <a:r>
+              <a:rPr lang="en-US" sz="2400" dirty="0">
                 <a:solidFill>
                   <a:srgbClr val="FF0000"/>
                 </a:solidFill>
               </a:rPr>
               <a:t>5</a:t>
             </a:r>
-            <a:endParaRPr lang="en-US" sz="2400" dirty="0">
-              <a:solidFill>
-                <a:srgbClr val="FF0000"/>
-              </a:solidFill>
-            </a:endParaRPr>
           </a:p>
         </p:txBody>
       </p:sp>
@@ -8746,34 +8465,24 @@
           <a:p>
             <a:pPr algn="ctr"/>
             <a:r>
-              <a:rPr lang="en-US" sz="2400" dirty="0" smtClean="0">
+              <a:rPr lang="en-US" sz="2400" dirty="0">
                 <a:solidFill>
                   <a:srgbClr val="00B050"/>
                 </a:solidFill>
               </a:rPr>
               <a:t>Z</a:t>
             </a:r>
-            <a:endParaRPr lang="en-US" sz="2400" dirty="0" smtClean="0">
-              <a:solidFill>
-                <a:srgbClr val="00B050"/>
-              </a:solidFill>
-            </a:endParaRPr>
-          </a:p>
-          <a:p>
-            <a:pPr algn="ctr"/>
-            <a:r>
-              <a:rPr lang="en-US" sz="2400" dirty="0" smtClean="0">
+          </a:p>
+          <a:p>
+            <a:pPr algn="ctr"/>
+            <a:r>
+              <a:rPr lang="en-US" sz="2400" dirty="0">
                 <a:solidFill>
                   <a:srgbClr val="FF0000"/>
                 </a:solidFill>
               </a:rPr>
               <a:t>7</a:t>
             </a:r>
-            <a:endParaRPr lang="en-US" sz="2400" dirty="0">
-              <a:solidFill>
-                <a:srgbClr val="FF0000"/>
-              </a:solidFill>
-            </a:endParaRPr>
           </a:p>
         </p:txBody>
       </p:sp>
@@ -8859,34 +8568,24 @@
           <a:p>
             <a:pPr algn="ctr"/>
             <a:r>
-              <a:rPr lang="en-US" sz="2400" dirty="0" smtClean="0">
+              <a:rPr lang="en-US" sz="2400" dirty="0">
                 <a:solidFill>
                   <a:srgbClr val="00B050"/>
                 </a:solidFill>
               </a:rPr>
               <a:t>R</a:t>
             </a:r>
-            <a:endParaRPr lang="en-US" sz="2400" dirty="0" smtClean="0">
-              <a:solidFill>
-                <a:srgbClr val="00B050"/>
-              </a:solidFill>
-            </a:endParaRPr>
-          </a:p>
-          <a:p>
-            <a:pPr algn="ctr"/>
-            <a:r>
-              <a:rPr lang="en-US" sz="2400" dirty="0" smtClean="0">
+          </a:p>
+          <a:p>
+            <a:pPr algn="ctr"/>
+            <a:r>
+              <a:rPr lang="en-US" sz="2400" dirty="0">
                 <a:solidFill>
                   <a:srgbClr val="FF0000"/>
                 </a:solidFill>
               </a:rPr>
               <a:t>20</a:t>
             </a:r>
-            <a:endParaRPr lang="en-US" sz="2400" dirty="0">
-              <a:solidFill>
-                <a:srgbClr val="FF0000"/>
-              </a:solidFill>
-            </a:endParaRPr>
           </a:p>
         </p:txBody>
       </p:sp>
@@ -9038,34 +8737,24 @@
           <a:p>
             <a:pPr algn="ctr"/>
             <a:r>
-              <a:rPr lang="en-US" sz="2400" dirty="0" smtClean="0">
+              <a:rPr lang="en-US" sz="2400" dirty="0">
                 <a:solidFill>
                   <a:srgbClr val="00B050"/>
                 </a:solidFill>
               </a:rPr>
               <a:t>L</a:t>
             </a:r>
-            <a:endParaRPr lang="en-US" sz="2400" dirty="0" smtClean="0">
-              <a:solidFill>
-                <a:srgbClr val="00B050"/>
-              </a:solidFill>
-            </a:endParaRPr>
-          </a:p>
-          <a:p>
-            <a:pPr algn="ctr"/>
-            <a:r>
-              <a:rPr lang="en-US" sz="2400" dirty="0" smtClean="0">
+          </a:p>
+          <a:p>
+            <a:pPr algn="ctr"/>
+            <a:r>
+              <a:rPr lang="en-US" sz="2400" dirty="0">
                 <a:solidFill>
                   <a:srgbClr val="FF0000"/>
                 </a:solidFill>
               </a:rPr>
               <a:t>15</a:t>
             </a:r>
-            <a:endParaRPr lang="en-US" sz="2400" dirty="0" smtClean="0">
-              <a:solidFill>
-                <a:srgbClr val="FF0000"/>
-              </a:solidFill>
-            </a:endParaRPr>
           </a:p>
         </p:txBody>
       </p:sp>
@@ -9112,34 +8801,24 @@
           <a:p>
             <a:pPr algn="ctr"/>
             <a:r>
-              <a:rPr lang="en-US" sz="2400" dirty="0" smtClean="0">
+              <a:rPr lang="en-US" sz="2400" dirty="0">
                 <a:solidFill>
                   <a:srgbClr val="00B050"/>
                 </a:solidFill>
               </a:rPr>
               <a:t>E</a:t>
             </a:r>
-            <a:endParaRPr lang="en-US" sz="2400" dirty="0" smtClean="0">
-              <a:solidFill>
-                <a:srgbClr val="00B050"/>
-              </a:solidFill>
-            </a:endParaRPr>
-          </a:p>
-          <a:p>
-            <a:pPr algn="ctr"/>
-            <a:r>
-              <a:rPr lang="en-US" sz="2400" dirty="0" smtClean="0">
+          </a:p>
+          <a:p>
+            <a:pPr algn="ctr"/>
+            <a:r>
+              <a:rPr lang="en-US" sz="2400" dirty="0">
                 <a:solidFill>
                   <a:srgbClr val="FF0000"/>
                 </a:solidFill>
               </a:rPr>
               <a:t>8</a:t>
             </a:r>
-            <a:endParaRPr lang="en-US" sz="2400" dirty="0">
-              <a:solidFill>
-                <a:srgbClr val="FF0000"/>
-              </a:solidFill>
-            </a:endParaRPr>
           </a:p>
         </p:txBody>
       </p:sp>
@@ -9225,34 +8904,24 @@
           <a:p>
             <a:pPr algn="ctr"/>
             <a:r>
-              <a:rPr lang="en-US" sz="2400" dirty="0" smtClean="0">
+              <a:rPr lang="en-US" sz="2400" dirty="0">
                 <a:solidFill>
                   <a:srgbClr val="00B050"/>
                 </a:solidFill>
               </a:rPr>
               <a:t>T</a:t>
             </a:r>
-            <a:endParaRPr lang="en-US" sz="2400" dirty="0" smtClean="0">
-              <a:solidFill>
-                <a:srgbClr val="00B050"/>
-              </a:solidFill>
-            </a:endParaRPr>
-          </a:p>
-          <a:p>
-            <a:pPr algn="ctr"/>
-            <a:r>
-              <a:rPr lang="en-US" sz="2400" dirty="0" smtClean="0">
+          </a:p>
+          <a:p>
+            <a:pPr algn="ctr"/>
+            <a:r>
+              <a:rPr lang="en-US" sz="2400" dirty="0">
                 <a:solidFill>
                   <a:srgbClr val="FF0000"/>
                 </a:solidFill>
               </a:rPr>
               <a:t>10</a:t>
             </a:r>
-            <a:endParaRPr lang="en-US" sz="2400" dirty="0">
-              <a:solidFill>
-                <a:srgbClr val="FF0000"/>
-              </a:solidFill>
-            </a:endParaRPr>
           </a:p>
         </p:txBody>
       </p:sp>
@@ -9338,34 +9007,24 @@
           <a:p>
             <a:pPr algn="ctr"/>
             <a:r>
-              <a:rPr lang="en-US" sz="2400" dirty="0" smtClean="0">
+              <a:rPr lang="en-US" sz="2400" dirty="0">
                 <a:solidFill>
                   <a:srgbClr val="00B050"/>
                 </a:solidFill>
               </a:rPr>
               <a:t>Q</a:t>
             </a:r>
-            <a:endParaRPr lang="en-US" sz="2400" dirty="0" smtClean="0">
-              <a:solidFill>
-                <a:srgbClr val="00B050"/>
-              </a:solidFill>
-            </a:endParaRPr>
-          </a:p>
-          <a:p>
-            <a:pPr algn="ctr"/>
-            <a:r>
-              <a:rPr lang="en-US" sz="2400" dirty="0" smtClean="0">
+          </a:p>
+          <a:p>
+            <a:pPr algn="ctr"/>
+            <a:r>
+              <a:rPr lang="en-US" sz="2400" dirty="0">
                 <a:solidFill>
                   <a:srgbClr val="FF0000"/>
                 </a:solidFill>
               </a:rPr>
               <a:t>5</a:t>
             </a:r>
-            <a:endParaRPr lang="en-US" sz="2400" dirty="0">
-              <a:solidFill>
-                <a:srgbClr val="FF0000"/>
-              </a:solidFill>
-            </a:endParaRPr>
           </a:p>
         </p:txBody>
       </p:sp>
@@ -9451,34 +9110,24 @@
           <a:p>
             <a:pPr algn="ctr"/>
             <a:r>
-              <a:rPr lang="en-US" sz="2400" dirty="0" smtClean="0">
+              <a:rPr lang="en-US" sz="2400" dirty="0">
                 <a:solidFill>
                   <a:srgbClr val="00B050"/>
                 </a:solidFill>
               </a:rPr>
               <a:t>Z</a:t>
             </a:r>
-            <a:endParaRPr lang="en-US" sz="2400" dirty="0" smtClean="0">
-              <a:solidFill>
-                <a:srgbClr val="00B050"/>
-              </a:solidFill>
-            </a:endParaRPr>
-          </a:p>
-          <a:p>
-            <a:pPr algn="ctr"/>
-            <a:r>
-              <a:rPr lang="en-US" sz="2400" dirty="0" smtClean="0">
+          </a:p>
+          <a:p>
+            <a:pPr algn="ctr"/>
+            <a:r>
+              <a:rPr lang="en-US" sz="2400" dirty="0">
                 <a:solidFill>
                   <a:srgbClr val="FF0000"/>
                 </a:solidFill>
               </a:rPr>
               <a:t>7</a:t>
             </a:r>
-            <a:endParaRPr lang="en-US" sz="2400" dirty="0">
-              <a:solidFill>
-                <a:srgbClr val="FF0000"/>
-              </a:solidFill>
-            </a:endParaRPr>
           </a:p>
         </p:txBody>
       </p:sp>
@@ -9564,34 +9213,24 @@
           <a:p>
             <a:pPr algn="ctr"/>
             <a:r>
-              <a:rPr lang="en-US" sz="2400" dirty="0" smtClean="0">
+              <a:rPr lang="en-US" sz="2400" dirty="0">
                 <a:solidFill>
                   <a:srgbClr val="00B050"/>
                 </a:solidFill>
               </a:rPr>
               <a:t>R</a:t>
             </a:r>
-            <a:endParaRPr lang="en-US" sz="2400" dirty="0" smtClean="0">
-              <a:solidFill>
-                <a:srgbClr val="00B050"/>
-              </a:solidFill>
-            </a:endParaRPr>
-          </a:p>
-          <a:p>
-            <a:pPr algn="ctr"/>
-            <a:r>
-              <a:rPr lang="en-US" sz="2400" dirty="0" smtClean="0">
+          </a:p>
+          <a:p>
+            <a:pPr algn="ctr"/>
+            <a:r>
+              <a:rPr lang="en-US" sz="2400" dirty="0">
                 <a:solidFill>
                   <a:srgbClr val="FF0000"/>
                 </a:solidFill>
               </a:rPr>
               <a:t>20</a:t>
             </a:r>
-            <a:endParaRPr lang="en-US" sz="2400" dirty="0">
-              <a:solidFill>
-                <a:srgbClr val="FF0000"/>
-              </a:solidFill>
-            </a:endParaRPr>
           </a:p>
         </p:txBody>
       </p:sp>
@@ -9723,34 +9362,24 @@
           <a:p>
             <a:pPr algn="ctr"/>
             <a:r>
-              <a:rPr lang="en-US" sz="2400" dirty="0" smtClean="0">
+              <a:rPr lang="en-US" sz="2400" dirty="0">
                 <a:solidFill>
                   <a:srgbClr val="00B050"/>
                 </a:solidFill>
               </a:rPr>
               <a:t>L</a:t>
             </a:r>
-            <a:endParaRPr lang="en-US" sz="2400" dirty="0" smtClean="0">
-              <a:solidFill>
-                <a:srgbClr val="00B050"/>
-              </a:solidFill>
-            </a:endParaRPr>
-          </a:p>
-          <a:p>
-            <a:pPr algn="ctr"/>
-            <a:r>
-              <a:rPr lang="en-US" sz="2400" dirty="0" smtClean="0">
+          </a:p>
+          <a:p>
+            <a:pPr algn="ctr"/>
+            <a:r>
+              <a:rPr lang="en-US" sz="2400" dirty="0">
                 <a:solidFill>
                   <a:srgbClr val="FF0000"/>
                 </a:solidFill>
               </a:rPr>
               <a:t>15</a:t>
             </a:r>
-            <a:endParaRPr lang="en-US" sz="2400" dirty="0" smtClean="0">
-              <a:solidFill>
-                <a:srgbClr val="FF0000"/>
-              </a:solidFill>
-            </a:endParaRPr>
           </a:p>
         </p:txBody>
       </p:sp>
@@ -9797,34 +9426,24 @@
           <a:p>
             <a:pPr algn="ctr"/>
             <a:r>
-              <a:rPr lang="en-US" sz="2400" dirty="0" smtClean="0">
+              <a:rPr lang="en-US" sz="2400" dirty="0">
                 <a:solidFill>
                   <a:srgbClr val="00B050"/>
                 </a:solidFill>
               </a:rPr>
               <a:t>E</a:t>
             </a:r>
-            <a:endParaRPr lang="en-US" sz="2400" dirty="0" smtClean="0">
-              <a:solidFill>
-                <a:srgbClr val="00B050"/>
-              </a:solidFill>
-            </a:endParaRPr>
-          </a:p>
-          <a:p>
-            <a:pPr algn="ctr"/>
-            <a:r>
-              <a:rPr lang="en-US" sz="2400" dirty="0" smtClean="0">
+          </a:p>
+          <a:p>
+            <a:pPr algn="ctr"/>
+            <a:r>
+              <a:rPr lang="en-US" sz="2400" dirty="0">
                 <a:solidFill>
                   <a:srgbClr val="FF0000"/>
                 </a:solidFill>
               </a:rPr>
               <a:t>8</a:t>
             </a:r>
-            <a:endParaRPr lang="en-US" sz="2400" dirty="0">
-              <a:solidFill>
-                <a:srgbClr val="FF0000"/>
-              </a:solidFill>
-            </a:endParaRPr>
           </a:p>
         </p:txBody>
       </p:sp>
@@ -9910,34 +9529,24 @@
           <a:p>
             <a:pPr algn="ctr"/>
             <a:r>
-              <a:rPr lang="en-US" sz="2400" dirty="0" smtClean="0">
+              <a:rPr lang="en-US" sz="2400" dirty="0">
                 <a:solidFill>
                   <a:srgbClr val="00B050"/>
                 </a:solidFill>
               </a:rPr>
               <a:t>T</a:t>
             </a:r>
-            <a:endParaRPr lang="en-US" sz="2400" dirty="0" smtClean="0">
-              <a:solidFill>
-                <a:srgbClr val="00B050"/>
-              </a:solidFill>
-            </a:endParaRPr>
-          </a:p>
-          <a:p>
-            <a:pPr algn="ctr"/>
-            <a:r>
-              <a:rPr lang="en-US" sz="2400" dirty="0" smtClean="0">
+          </a:p>
+          <a:p>
+            <a:pPr algn="ctr"/>
+            <a:r>
+              <a:rPr lang="en-US" sz="2400" dirty="0">
                 <a:solidFill>
                   <a:srgbClr val="FF0000"/>
                 </a:solidFill>
               </a:rPr>
               <a:t>10</a:t>
             </a:r>
-            <a:endParaRPr lang="en-US" sz="2400" dirty="0">
-              <a:solidFill>
-                <a:srgbClr val="FF0000"/>
-              </a:solidFill>
-            </a:endParaRPr>
           </a:p>
         </p:txBody>
       </p:sp>
@@ -10023,34 +9632,24 @@
           <a:p>
             <a:pPr algn="ctr"/>
             <a:r>
-              <a:rPr lang="en-US" sz="2400" dirty="0" smtClean="0">
+              <a:rPr lang="en-US" sz="2400" dirty="0">
                 <a:solidFill>
                   <a:srgbClr val="00B050"/>
                 </a:solidFill>
               </a:rPr>
               <a:t>R</a:t>
             </a:r>
-            <a:endParaRPr lang="en-US" sz="2400" dirty="0" smtClean="0">
-              <a:solidFill>
-                <a:srgbClr val="00B050"/>
-              </a:solidFill>
-            </a:endParaRPr>
-          </a:p>
-          <a:p>
-            <a:pPr algn="ctr"/>
-            <a:r>
-              <a:rPr lang="en-US" sz="2400" dirty="0" smtClean="0">
+          </a:p>
+          <a:p>
+            <a:pPr algn="ctr"/>
+            <a:r>
+              <a:rPr lang="en-US" sz="2400" dirty="0">
                 <a:solidFill>
                   <a:srgbClr val="FF0000"/>
                 </a:solidFill>
               </a:rPr>
               <a:t>20</a:t>
             </a:r>
-            <a:endParaRPr lang="en-US" sz="2400" dirty="0">
-              <a:solidFill>
-                <a:srgbClr val="FF0000"/>
-              </a:solidFill>
-            </a:endParaRPr>
           </a:p>
         </p:txBody>
       </p:sp>
@@ -10136,34 +9735,24 @@
           <a:p>
             <a:pPr algn="ctr"/>
             <a:r>
-              <a:rPr lang="en-US" sz="2400" dirty="0" smtClean="0">
+              <a:rPr lang="en-US" sz="2400" dirty="0">
                 <a:solidFill>
                   <a:srgbClr val="00B050"/>
                 </a:solidFill>
               </a:rPr>
               <a:t>Z</a:t>
             </a:r>
-            <a:endParaRPr lang="en-US" sz="2400" dirty="0" smtClean="0">
-              <a:solidFill>
-                <a:srgbClr val="00B050"/>
-              </a:solidFill>
-            </a:endParaRPr>
-          </a:p>
-          <a:p>
-            <a:pPr algn="ctr"/>
-            <a:r>
-              <a:rPr lang="en-US" sz="2400" dirty="0" smtClean="0">
+          </a:p>
+          <a:p>
+            <a:pPr algn="ctr"/>
+            <a:r>
+              <a:rPr lang="en-US" sz="2400" dirty="0">
                 <a:solidFill>
                   <a:srgbClr val="FF0000"/>
                 </a:solidFill>
               </a:rPr>
               <a:t>7</a:t>
             </a:r>
-            <a:endParaRPr lang="en-US" sz="2400" dirty="0">
-              <a:solidFill>
-                <a:srgbClr val="FF0000"/>
-              </a:solidFill>
-            </a:endParaRPr>
           </a:p>
         </p:txBody>
       </p:sp>
@@ -10249,34 +9838,24 @@
           <a:p>
             <a:pPr algn="ctr"/>
             <a:r>
-              <a:rPr lang="en-US" sz="2400" dirty="0" smtClean="0">
+              <a:rPr lang="en-US" sz="2400" dirty="0">
                 <a:solidFill>
                   <a:srgbClr val="00B050"/>
                 </a:solidFill>
               </a:rPr>
               <a:t>Q</a:t>
             </a:r>
-            <a:endParaRPr lang="en-US" sz="2400" dirty="0" smtClean="0">
-              <a:solidFill>
-                <a:srgbClr val="00B050"/>
-              </a:solidFill>
-            </a:endParaRPr>
-          </a:p>
-          <a:p>
-            <a:pPr algn="ctr"/>
-            <a:r>
-              <a:rPr lang="en-US" sz="2400" dirty="0" smtClean="0">
+          </a:p>
+          <a:p>
+            <a:pPr algn="ctr"/>
+            <a:r>
+              <a:rPr lang="en-US" sz="2400" dirty="0">
                 <a:solidFill>
                   <a:srgbClr val="FF0000"/>
                 </a:solidFill>
               </a:rPr>
               <a:t>5</a:t>
             </a:r>
-            <a:endParaRPr lang="en-US" sz="2400" dirty="0">
-              <a:solidFill>
-                <a:srgbClr val="FF0000"/>
-              </a:solidFill>
-            </a:endParaRPr>
           </a:p>
         </p:txBody>
       </p:sp>
@@ -10428,34 +10007,24 @@
           <a:p>
             <a:pPr algn="ctr"/>
             <a:r>
-              <a:rPr lang="en-US" sz="2400" dirty="0" smtClean="0">
+              <a:rPr lang="en-US" sz="2400" dirty="0">
                 <a:solidFill>
                   <a:srgbClr val="00B050"/>
                 </a:solidFill>
               </a:rPr>
               <a:t>L</a:t>
             </a:r>
-            <a:endParaRPr lang="en-US" sz="2400" dirty="0" smtClean="0">
-              <a:solidFill>
-                <a:srgbClr val="00B050"/>
-              </a:solidFill>
-            </a:endParaRPr>
-          </a:p>
-          <a:p>
-            <a:pPr algn="ctr"/>
-            <a:r>
-              <a:rPr lang="en-US" sz="2400" dirty="0" smtClean="0">
+          </a:p>
+          <a:p>
+            <a:pPr algn="ctr"/>
+            <a:r>
+              <a:rPr lang="en-US" sz="2400" dirty="0">
                 <a:solidFill>
                   <a:srgbClr val="FF0000"/>
                 </a:solidFill>
               </a:rPr>
               <a:t>15</a:t>
             </a:r>
-            <a:endParaRPr lang="en-US" sz="2400" dirty="0" smtClean="0">
-              <a:solidFill>
-                <a:srgbClr val="FF0000"/>
-              </a:solidFill>
-            </a:endParaRPr>
           </a:p>
         </p:txBody>
       </p:sp>
@@ -10502,34 +10071,24 @@
           <a:p>
             <a:pPr algn="ctr"/>
             <a:r>
-              <a:rPr lang="en-US" sz="2400" dirty="0" smtClean="0">
+              <a:rPr lang="en-US" sz="2400" dirty="0">
                 <a:solidFill>
                   <a:srgbClr val="00B050"/>
                 </a:solidFill>
               </a:rPr>
               <a:t>E</a:t>
             </a:r>
-            <a:endParaRPr lang="en-US" sz="2400" dirty="0" smtClean="0">
-              <a:solidFill>
-                <a:srgbClr val="00B050"/>
-              </a:solidFill>
-            </a:endParaRPr>
-          </a:p>
-          <a:p>
-            <a:pPr algn="ctr"/>
-            <a:r>
-              <a:rPr lang="en-US" sz="2400" dirty="0" smtClean="0">
+          </a:p>
+          <a:p>
+            <a:pPr algn="ctr"/>
+            <a:r>
+              <a:rPr lang="en-US" sz="2400" dirty="0">
                 <a:solidFill>
                   <a:srgbClr val="FF0000"/>
                 </a:solidFill>
               </a:rPr>
               <a:t>8</a:t>
             </a:r>
-            <a:endParaRPr lang="en-US" sz="2400" dirty="0">
-              <a:solidFill>
-                <a:srgbClr val="FF0000"/>
-              </a:solidFill>
-            </a:endParaRPr>
           </a:p>
         </p:txBody>
       </p:sp>
@@ -10615,34 +10174,24 @@
           <a:p>
             <a:pPr algn="ctr"/>
             <a:r>
-              <a:rPr lang="en-US" sz="2400" dirty="0" smtClean="0">
+              <a:rPr lang="en-US" sz="2400" dirty="0">
                 <a:solidFill>
                   <a:srgbClr val="00B050"/>
                 </a:solidFill>
               </a:rPr>
               <a:t>T</a:t>
             </a:r>
-            <a:endParaRPr lang="en-US" sz="2400" dirty="0" smtClean="0">
-              <a:solidFill>
-                <a:srgbClr val="00B050"/>
-              </a:solidFill>
-            </a:endParaRPr>
-          </a:p>
-          <a:p>
-            <a:pPr algn="ctr"/>
-            <a:r>
-              <a:rPr lang="en-US" sz="2400" dirty="0" smtClean="0">
+          </a:p>
+          <a:p>
+            <a:pPr algn="ctr"/>
+            <a:r>
+              <a:rPr lang="en-US" sz="2400" dirty="0">
                 <a:solidFill>
                   <a:srgbClr val="FF0000"/>
                 </a:solidFill>
               </a:rPr>
               <a:t>10</a:t>
             </a:r>
-            <a:endParaRPr lang="en-US" sz="2400" dirty="0">
-              <a:solidFill>
-                <a:srgbClr val="FF0000"/>
-              </a:solidFill>
-            </a:endParaRPr>
           </a:p>
         </p:txBody>
       </p:sp>
@@ -10728,34 +10277,24 @@
           <a:p>
             <a:pPr algn="ctr"/>
             <a:r>
-              <a:rPr lang="en-US" sz="2400" dirty="0" smtClean="0">
+              <a:rPr lang="en-US" sz="2400" dirty="0">
                 <a:solidFill>
                   <a:srgbClr val="00B050"/>
                 </a:solidFill>
               </a:rPr>
               <a:t>R</a:t>
             </a:r>
-            <a:endParaRPr lang="en-US" sz="2400" dirty="0" smtClean="0">
-              <a:solidFill>
-                <a:srgbClr val="00B050"/>
-              </a:solidFill>
-            </a:endParaRPr>
-          </a:p>
-          <a:p>
-            <a:pPr algn="ctr"/>
-            <a:r>
-              <a:rPr lang="en-US" sz="2400" dirty="0" smtClean="0">
+          </a:p>
+          <a:p>
+            <a:pPr algn="ctr"/>
+            <a:r>
+              <a:rPr lang="en-US" sz="2400" dirty="0">
                 <a:solidFill>
                   <a:srgbClr val="FF0000"/>
                 </a:solidFill>
               </a:rPr>
               <a:t>20</a:t>
             </a:r>
-            <a:endParaRPr lang="en-US" sz="2400" dirty="0">
-              <a:solidFill>
-                <a:srgbClr val="FF0000"/>
-              </a:solidFill>
-            </a:endParaRPr>
           </a:p>
         </p:txBody>
       </p:sp>
@@ -10841,34 +10380,24 @@
           <a:p>
             <a:pPr algn="ctr"/>
             <a:r>
-              <a:rPr lang="en-US" sz="2400" dirty="0" smtClean="0">
+              <a:rPr lang="en-US" sz="2400" dirty="0">
                 <a:solidFill>
                   <a:srgbClr val="00B050"/>
                 </a:solidFill>
               </a:rPr>
               <a:t>Z</a:t>
             </a:r>
-            <a:endParaRPr lang="en-US" sz="2400" dirty="0" smtClean="0">
-              <a:solidFill>
-                <a:srgbClr val="00B050"/>
-              </a:solidFill>
-            </a:endParaRPr>
-          </a:p>
-          <a:p>
-            <a:pPr algn="ctr"/>
-            <a:r>
-              <a:rPr lang="en-US" sz="2400" dirty="0" smtClean="0">
+          </a:p>
+          <a:p>
+            <a:pPr algn="ctr"/>
+            <a:r>
+              <a:rPr lang="en-US" sz="2400" dirty="0">
                 <a:solidFill>
                   <a:srgbClr val="FF0000"/>
                 </a:solidFill>
               </a:rPr>
               <a:t>7</a:t>
             </a:r>
-            <a:endParaRPr lang="en-US" sz="2400" dirty="0">
-              <a:solidFill>
-                <a:srgbClr val="FF0000"/>
-              </a:solidFill>
-            </a:endParaRPr>
           </a:p>
         </p:txBody>
       </p:sp>
@@ -10954,34 +10483,24 @@
           <a:p>
             <a:pPr algn="ctr"/>
             <a:r>
-              <a:rPr lang="en-US" sz="2400" dirty="0" smtClean="0">
+              <a:rPr lang="en-US" sz="2400" dirty="0">
                 <a:solidFill>
                   <a:srgbClr val="00B050"/>
                 </a:solidFill>
               </a:rPr>
               <a:t>Q</a:t>
             </a:r>
-            <a:endParaRPr lang="en-US" sz="2400" dirty="0" smtClean="0">
-              <a:solidFill>
-                <a:srgbClr val="00B050"/>
-              </a:solidFill>
-            </a:endParaRPr>
-          </a:p>
-          <a:p>
-            <a:pPr algn="ctr"/>
-            <a:r>
-              <a:rPr lang="en-US" sz="2400" dirty="0" smtClean="0">
+          </a:p>
+          <a:p>
+            <a:pPr algn="ctr"/>
+            <a:r>
+              <a:rPr lang="en-US" sz="2400" dirty="0">
                 <a:solidFill>
                   <a:srgbClr val="FF0000"/>
                 </a:solidFill>
               </a:rPr>
               <a:t>5</a:t>
             </a:r>
-            <a:endParaRPr lang="en-US" sz="2400" dirty="0">
-              <a:solidFill>
-                <a:srgbClr val="FF0000"/>
-              </a:solidFill>
-            </a:endParaRPr>
           </a:p>
         </p:txBody>
       </p:sp>
@@ -11067,34 +10586,24 @@
           <a:p>
             <a:pPr algn="ctr"/>
             <a:r>
-              <a:rPr lang="en-US" sz="2400" dirty="0" smtClean="0">
+              <a:rPr lang="en-US" sz="2400" dirty="0">
                 <a:solidFill>
                   <a:srgbClr val="00B050"/>
                 </a:solidFill>
               </a:rPr>
               <a:t>L</a:t>
             </a:r>
-            <a:endParaRPr lang="en-US" sz="2400" dirty="0" smtClean="0">
-              <a:solidFill>
-                <a:srgbClr val="00B050"/>
-              </a:solidFill>
-            </a:endParaRPr>
-          </a:p>
-          <a:p>
-            <a:pPr algn="ctr"/>
-            <a:r>
-              <a:rPr lang="en-US" sz="2400" dirty="0" smtClean="0">
+          </a:p>
+          <a:p>
+            <a:pPr algn="ctr"/>
+            <a:r>
+              <a:rPr lang="en-US" sz="2400" dirty="0">
                 <a:solidFill>
                   <a:srgbClr val="FF0000"/>
                 </a:solidFill>
               </a:rPr>
               <a:t>15</a:t>
             </a:r>
-            <a:endParaRPr lang="en-US" sz="2400" dirty="0" smtClean="0">
-              <a:solidFill>
-                <a:srgbClr val="FF0000"/>
-              </a:solidFill>
-            </a:endParaRPr>
           </a:p>
         </p:txBody>
       </p:sp>
@@ -11141,34 +10650,24 @@
           <a:p>
             <a:pPr algn="ctr"/>
             <a:r>
-              <a:rPr lang="en-US" sz="2400" dirty="0" smtClean="0">
+              <a:rPr lang="en-US" sz="2400" dirty="0">
                 <a:solidFill>
                   <a:srgbClr val="00B050"/>
                 </a:solidFill>
               </a:rPr>
               <a:t>E</a:t>
             </a:r>
-            <a:endParaRPr lang="en-US" sz="2400" dirty="0" smtClean="0">
-              <a:solidFill>
-                <a:srgbClr val="00B050"/>
-              </a:solidFill>
-            </a:endParaRPr>
-          </a:p>
-          <a:p>
-            <a:pPr algn="ctr"/>
-            <a:r>
-              <a:rPr lang="en-US" sz="2400" dirty="0" smtClean="0">
+          </a:p>
+          <a:p>
+            <a:pPr algn="ctr"/>
+            <a:r>
+              <a:rPr lang="en-US" sz="2400" dirty="0">
                 <a:solidFill>
                   <a:srgbClr val="FF0000"/>
                 </a:solidFill>
               </a:rPr>
               <a:t>8</a:t>
             </a:r>
-            <a:endParaRPr lang="en-US" sz="2400" dirty="0">
-              <a:solidFill>
-                <a:srgbClr val="FF0000"/>
-              </a:solidFill>
-            </a:endParaRPr>
           </a:p>
         </p:txBody>
       </p:sp>
@@ -11254,34 +10753,24 @@
           <a:p>
             <a:pPr algn="ctr"/>
             <a:r>
-              <a:rPr lang="en-US" sz="2400" dirty="0" smtClean="0">
+              <a:rPr lang="en-US" sz="2400" dirty="0">
                 <a:solidFill>
                   <a:srgbClr val="00B050"/>
                 </a:solidFill>
               </a:rPr>
               <a:t>R</a:t>
             </a:r>
-            <a:endParaRPr lang="en-US" sz="2400" dirty="0" smtClean="0">
-              <a:solidFill>
-                <a:srgbClr val="00B050"/>
-              </a:solidFill>
-            </a:endParaRPr>
-          </a:p>
-          <a:p>
-            <a:pPr algn="ctr"/>
-            <a:r>
-              <a:rPr lang="en-US" sz="2400" dirty="0" smtClean="0">
+          </a:p>
+          <a:p>
+            <a:pPr algn="ctr"/>
+            <a:r>
+              <a:rPr lang="en-US" sz="2400" dirty="0">
                 <a:solidFill>
                   <a:srgbClr val="FF0000"/>
                 </a:solidFill>
               </a:rPr>
               <a:t>20</a:t>
             </a:r>
-            <a:endParaRPr lang="en-US" sz="2400" dirty="0">
-              <a:solidFill>
-                <a:srgbClr val="FF0000"/>
-              </a:solidFill>
-            </a:endParaRPr>
           </a:p>
         </p:txBody>
       </p:sp>
@@ -11367,18 +10856,13 @@
           <a:p>
             <a:pPr algn="ctr"/>
             <a:r>
-              <a:rPr lang="en-US" sz="2400" dirty="0" smtClean="0">
+              <a:rPr lang="en-US" sz="2400" dirty="0">
                 <a:solidFill>
                   <a:srgbClr val="00B050"/>
                 </a:solidFill>
               </a:rPr>
               <a:t>Q</a:t>
             </a:r>
-            <a:endParaRPr lang="en-US" sz="2400" dirty="0" smtClean="0">
-              <a:solidFill>
-                <a:srgbClr val="00B050"/>
-              </a:solidFill>
-            </a:endParaRPr>
           </a:p>
           <a:p>
             <a:pPr algn="ctr"/>
@@ -11390,11 +10874,6 @@
               </a:rPr>
               <a:t>5</a:t>
             </a:r>
-            <a:endParaRPr lang="en-US" sz="2400" dirty="0">
-              <a:solidFill>
-                <a:srgbClr val="FF0000"/>
-              </a:solidFill>
-            </a:endParaRPr>
           </a:p>
         </p:txBody>
       </p:sp>
@@ -11480,34 +10959,24 @@
           <a:p>
             <a:pPr algn="ctr"/>
             <a:r>
-              <a:rPr lang="en-US" sz="2400" dirty="0" smtClean="0">
+              <a:rPr lang="en-US" sz="2400" dirty="0">
                 <a:solidFill>
                   <a:srgbClr val="00B050"/>
                 </a:solidFill>
               </a:rPr>
               <a:t>T</a:t>
             </a:r>
-            <a:endParaRPr lang="en-US" sz="2400" dirty="0" smtClean="0">
-              <a:solidFill>
-                <a:srgbClr val="00B050"/>
-              </a:solidFill>
-            </a:endParaRPr>
-          </a:p>
-          <a:p>
-            <a:pPr algn="ctr"/>
-            <a:r>
-              <a:rPr lang="en-US" sz="2400" dirty="0" smtClean="0">
+          </a:p>
+          <a:p>
+            <a:pPr algn="ctr"/>
+            <a:r>
+              <a:rPr lang="en-US" sz="2400" dirty="0">
                 <a:solidFill>
                   <a:srgbClr val="FF0000"/>
                 </a:solidFill>
               </a:rPr>
               <a:t>10</a:t>
             </a:r>
-            <a:endParaRPr lang="en-US" sz="2400" dirty="0">
-              <a:solidFill>
-                <a:srgbClr val="FF0000"/>
-              </a:solidFill>
-            </a:endParaRPr>
           </a:p>
         </p:txBody>
       </p:sp>
@@ -11639,34 +11108,24 @@
           <a:p>
             <a:pPr algn="ctr"/>
             <a:r>
-              <a:rPr lang="en-US" sz="2400" dirty="0" smtClean="0">
+              <a:rPr lang="en-US" sz="2400" dirty="0">
                 <a:solidFill>
                   <a:srgbClr val="00B050"/>
                 </a:solidFill>
               </a:rPr>
               <a:t>Z</a:t>
             </a:r>
-            <a:endParaRPr lang="en-US" sz="2400" dirty="0" smtClean="0">
-              <a:solidFill>
-                <a:srgbClr val="00B050"/>
-              </a:solidFill>
-            </a:endParaRPr>
-          </a:p>
-          <a:p>
-            <a:pPr algn="ctr"/>
-            <a:r>
-              <a:rPr lang="en-US" sz="2400" dirty="0" smtClean="0">
+          </a:p>
+          <a:p>
+            <a:pPr algn="ctr"/>
+            <a:r>
+              <a:rPr lang="en-US" sz="2400" dirty="0">
                 <a:solidFill>
                   <a:srgbClr val="FF0000"/>
                 </a:solidFill>
               </a:rPr>
               <a:t>7</a:t>
             </a:r>
-            <a:endParaRPr lang="en-US" sz="2400" dirty="0">
-              <a:solidFill>
-                <a:srgbClr val="FF0000"/>
-              </a:solidFill>
-            </a:endParaRPr>
           </a:p>
         </p:txBody>
       </p:sp>
@@ -11818,34 +11277,24 @@
           <a:p>
             <a:pPr algn="ctr"/>
             <a:r>
-              <a:rPr lang="en-US" sz="2400" dirty="0" smtClean="0">
+              <a:rPr lang="en-US" sz="2400" dirty="0">
                 <a:solidFill>
                   <a:srgbClr val="00B050"/>
                 </a:solidFill>
               </a:rPr>
               <a:t>R</a:t>
             </a:r>
-            <a:endParaRPr lang="en-US" sz="2400" dirty="0" smtClean="0">
-              <a:solidFill>
-                <a:srgbClr val="00B050"/>
-              </a:solidFill>
-            </a:endParaRPr>
-          </a:p>
-          <a:p>
-            <a:pPr algn="ctr"/>
-            <a:r>
-              <a:rPr lang="en-US" sz="2400" dirty="0" smtClean="0">
+          </a:p>
+          <a:p>
+            <a:pPr algn="ctr"/>
+            <a:r>
+              <a:rPr lang="en-US" sz="2400" dirty="0">
                 <a:solidFill>
                   <a:srgbClr val="FF0000"/>
                 </a:solidFill>
               </a:rPr>
               <a:t>20</a:t>
             </a:r>
-            <a:endParaRPr lang="en-US" sz="2400" dirty="0" smtClean="0">
-              <a:solidFill>
-                <a:srgbClr val="FF0000"/>
-              </a:solidFill>
-            </a:endParaRPr>
           </a:p>
         </p:txBody>
       </p:sp>
@@ -11892,34 +11341,24 @@
           <a:p>
             <a:pPr algn="ctr"/>
             <a:r>
-              <a:rPr lang="en-US" sz="2400" dirty="0" smtClean="0">
+              <a:rPr lang="en-US" sz="2400" dirty="0">
                 <a:solidFill>
                   <a:srgbClr val="00B050"/>
                 </a:solidFill>
               </a:rPr>
               <a:t>L</a:t>
             </a:r>
-            <a:endParaRPr lang="en-US" sz="2400" dirty="0" smtClean="0">
-              <a:solidFill>
-                <a:srgbClr val="00B050"/>
-              </a:solidFill>
-            </a:endParaRPr>
-          </a:p>
-          <a:p>
-            <a:pPr algn="ctr"/>
-            <a:r>
-              <a:rPr lang="en-US" sz="2400" dirty="0" smtClean="0">
+          </a:p>
+          <a:p>
+            <a:pPr algn="ctr"/>
+            <a:r>
+              <a:rPr lang="en-US" sz="2400" dirty="0">
                 <a:solidFill>
                   <a:srgbClr val="FF0000"/>
                 </a:solidFill>
               </a:rPr>
               <a:t>15</a:t>
             </a:r>
-            <a:endParaRPr lang="en-US" sz="2400" dirty="0">
-              <a:solidFill>
-                <a:srgbClr val="FF0000"/>
-              </a:solidFill>
-            </a:endParaRPr>
           </a:p>
         </p:txBody>
       </p:sp>
@@ -12005,34 +11444,24 @@
           <a:p>
             <a:pPr algn="ctr"/>
             <a:r>
-              <a:rPr lang="en-US" sz="2400" dirty="0" smtClean="0">
+              <a:rPr lang="en-US" sz="2400" dirty="0">
                 <a:solidFill>
                   <a:srgbClr val="00B050"/>
                 </a:solidFill>
               </a:rPr>
               <a:t>T</a:t>
             </a:r>
-            <a:endParaRPr lang="en-US" sz="2400" dirty="0" smtClean="0">
-              <a:solidFill>
-                <a:srgbClr val="00B050"/>
-              </a:solidFill>
-            </a:endParaRPr>
-          </a:p>
-          <a:p>
-            <a:pPr algn="ctr"/>
-            <a:r>
-              <a:rPr lang="en-US" sz="2400" dirty="0" smtClean="0">
+          </a:p>
+          <a:p>
+            <a:pPr algn="ctr"/>
+            <a:r>
+              <a:rPr lang="en-US" sz="2400" dirty="0">
                 <a:solidFill>
                   <a:srgbClr val="FF0000"/>
                 </a:solidFill>
               </a:rPr>
               <a:t>10</a:t>
             </a:r>
-            <a:endParaRPr lang="en-US" sz="2400" dirty="0">
-              <a:solidFill>
-                <a:srgbClr val="FF0000"/>
-              </a:solidFill>
-            </a:endParaRPr>
           </a:p>
         </p:txBody>
       </p:sp>
@@ -12118,18 +11547,13 @@
           <a:p>
             <a:pPr algn="ctr"/>
             <a:r>
-              <a:rPr lang="en-US" sz="2400" dirty="0" smtClean="0">
+              <a:rPr lang="en-US" sz="2400" dirty="0">
                 <a:solidFill>
                   <a:srgbClr val="00B050"/>
                 </a:solidFill>
               </a:rPr>
               <a:t>Q</a:t>
             </a:r>
-            <a:endParaRPr lang="en-US" sz="2400" dirty="0" smtClean="0">
-              <a:solidFill>
-                <a:srgbClr val="00B050"/>
-              </a:solidFill>
-            </a:endParaRPr>
           </a:p>
           <a:p>
             <a:pPr algn="ctr"/>
@@ -12141,11 +11565,6 @@
               </a:rPr>
               <a:t>5</a:t>
             </a:r>
-            <a:endParaRPr lang="en-US" sz="2400" dirty="0">
-              <a:solidFill>
-                <a:srgbClr val="FF0000"/>
-              </a:solidFill>
-            </a:endParaRPr>
           </a:p>
         </p:txBody>
       </p:sp>
@@ -12231,34 +11650,24 @@
           <a:p>
             <a:pPr algn="ctr"/>
             <a:r>
-              <a:rPr lang="en-US" sz="2400" dirty="0" smtClean="0">
+              <a:rPr lang="en-US" sz="2400" dirty="0">
                 <a:solidFill>
                   <a:srgbClr val="00B050"/>
                 </a:solidFill>
               </a:rPr>
               <a:t>Z</a:t>
             </a:r>
-            <a:endParaRPr lang="en-US" sz="2400" dirty="0" smtClean="0">
-              <a:solidFill>
-                <a:srgbClr val="00B050"/>
-              </a:solidFill>
-            </a:endParaRPr>
-          </a:p>
-          <a:p>
-            <a:pPr algn="ctr"/>
-            <a:r>
-              <a:rPr lang="en-US" sz="2400" dirty="0" smtClean="0">
+          </a:p>
+          <a:p>
+            <a:pPr algn="ctr"/>
+            <a:r>
+              <a:rPr lang="en-US" sz="2400" dirty="0">
                 <a:solidFill>
                   <a:srgbClr val="FF0000"/>
                 </a:solidFill>
               </a:rPr>
               <a:t>7</a:t>
             </a:r>
-            <a:endParaRPr lang="en-US" sz="2400" dirty="0">
-              <a:solidFill>
-                <a:srgbClr val="FF0000"/>
-              </a:solidFill>
-            </a:endParaRPr>
           </a:p>
         </p:txBody>
       </p:sp>
@@ -12344,34 +11753,24 @@
           <a:p>
             <a:pPr algn="ctr"/>
             <a:r>
-              <a:rPr lang="en-US" sz="2400" dirty="0" smtClean="0">
+              <a:rPr lang="en-US" sz="2400" dirty="0">
                 <a:solidFill>
                   <a:srgbClr val="00B050"/>
                 </a:solidFill>
               </a:rPr>
               <a:t>L</a:t>
             </a:r>
-            <a:endParaRPr lang="en-US" sz="2400" dirty="0" smtClean="0">
-              <a:solidFill>
-                <a:srgbClr val="00B050"/>
-              </a:solidFill>
-            </a:endParaRPr>
-          </a:p>
-          <a:p>
-            <a:pPr algn="ctr"/>
-            <a:r>
-              <a:rPr lang="en-US" sz="2400" dirty="0" smtClean="0">
+          </a:p>
+          <a:p>
+            <a:pPr algn="ctr"/>
+            <a:r>
+              <a:rPr lang="en-US" sz="2400" dirty="0">
                 <a:solidFill>
                   <a:srgbClr val="FF0000"/>
                 </a:solidFill>
               </a:rPr>
               <a:t>15</a:t>
             </a:r>
-            <a:endParaRPr lang="en-US" sz="2400" dirty="0" smtClean="0">
-              <a:solidFill>
-                <a:srgbClr val="FF0000"/>
-              </a:solidFill>
-            </a:endParaRPr>
           </a:p>
         </p:txBody>
       </p:sp>
@@ -12418,34 +11817,24 @@
           <a:p>
             <a:pPr algn="ctr"/>
             <a:r>
-              <a:rPr lang="en-US" sz="2400" dirty="0" smtClean="0">
+              <a:rPr lang="en-US" sz="2400" dirty="0">
                 <a:solidFill>
                   <a:srgbClr val="00B050"/>
                 </a:solidFill>
               </a:rPr>
               <a:t>E</a:t>
             </a:r>
-            <a:endParaRPr lang="en-US" sz="2400" dirty="0" smtClean="0">
-              <a:solidFill>
-                <a:srgbClr val="00B050"/>
-              </a:solidFill>
-            </a:endParaRPr>
-          </a:p>
-          <a:p>
-            <a:pPr algn="ctr"/>
-            <a:r>
-              <a:rPr lang="en-US" sz="2400" dirty="0" smtClean="0">
+          </a:p>
+          <a:p>
+            <a:pPr algn="ctr"/>
+            <a:r>
+              <a:rPr lang="en-US" sz="2400" dirty="0">
                 <a:solidFill>
                   <a:srgbClr val="FF0000"/>
                 </a:solidFill>
               </a:rPr>
               <a:t>8</a:t>
             </a:r>
-            <a:endParaRPr lang="en-US" sz="2400" dirty="0">
-              <a:solidFill>
-                <a:srgbClr val="FF0000"/>
-              </a:solidFill>
-            </a:endParaRPr>
           </a:p>
         </p:txBody>
       </p:sp>
@@ -12531,34 +11920,24 @@
           <a:p>
             <a:pPr algn="ctr"/>
             <a:r>
-              <a:rPr lang="en-US" sz="2400" dirty="0" smtClean="0">
+              <a:rPr lang="en-US" sz="2400" dirty="0">
                 <a:solidFill>
                   <a:srgbClr val="00B050"/>
                 </a:solidFill>
               </a:rPr>
               <a:t>R</a:t>
             </a:r>
-            <a:endParaRPr lang="en-US" sz="2400" dirty="0" smtClean="0">
-              <a:solidFill>
-                <a:srgbClr val="00B050"/>
-              </a:solidFill>
-            </a:endParaRPr>
-          </a:p>
-          <a:p>
-            <a:pPr algn="ctr"/>
-            <a:r>
-              <a:rPr lang="en-US" sz="2400" dirty="0" smtClean="0">
+          </a:p>
+          <a:p>
+            <a:pPr algn="ctr"/>
+            <a:r>
+              <a:rPr lang="en-US" sz="2400" dirty="0">
                 <a:solidFill>
                   <a:srgbClr val="FF0000"/>
                 </a:solidFill>
               </a:rPr>
               <a:t>20</a:t>
             </a:r>
-            <a:endParaRPr lang="en-US" sz="2400" dirty="0">
-              <a:solidFill>
-                <a:srgbClr val="FF0000"/>
-              </a:solidFill>
-            </a:endParaRPr>
           </a:p>
         </p:txBody>
       </p:sp>
@@ -12644,18 +12023,13 @@
           <a:p>
             <a:pPr algn="ctr"/>
             <a:r>
-              <a:rPr lang="en-US" sz="2400" dirty="0" smtClean="0">
+              <a:rPr lang="en-US" sz="2400" dirty="0">
                 <a:solidFill>
                   <a:srgbClr val="00B050"/>
                 </a:solidFill>
               </a:rPr>
               <a:t>Q</a:t>
             </a:r>
-            <a:endParaRPr lang="en-US" sz="2400" dirty="0" smtClean="0">
-              <a:solidFill>
-                <a:srgbClr val="00B050"/>
-              </a:solidFill>
-            </a:endParaRPr>
           </a:p>
           <a:p>
             <a:pPr algn="ctr"/>
@@ -12667,11 +12041,6 @@
               </a:rPr>
               <a:t>5</a:t>
             </a:r>
-            <a:endParaRPr lang="en-US" sz="2400" dirty="0">
-              <a:solidFill>
-                <a:srgbClr val="FF0000"/>
-              </a:solidFill>
-            </a:endParaRPr>
           </a:p>
         </p:txBody>
       </p:sp>
@@ -12757,34 +12126,24 @@
           <a:p>
             <a:pPr algn="ctr"/>
             <a:r>
-              <a:rPr lang="en-US" sz="2400" dirty="0" smtClean="0">
+              <a:rPr lang="en-US" sz="2400" dirty="0">
                 <a:solidFill>
                   <a:srgbClr val="00B050"/>
                 </a:solidFill>
               </a:rPr>
               <a:t>T</a:t>
             </a:r>
-            <a:endParaRPr lang="en-US" sz="2400" dirty="0" smtClean="0">
-              <a:solidFill>
-                <a:srgbClr val="00B050"/>
-              </a:solidFill>
-            </a:endParaRPr>
-          </a:p>
-          <a:p>
-            <a:pPr algn="ctr"/>
-            <a:r>
-              <a:rPr lang="en-US" sz="2400" dirty="0" smtClean="0">
+          </a:p>
+          <a:p>
+            <a:pPr algn="ctr"/>
+            <a:r>
+              <a:rPr lang="en-US" sz="2400" dirty="0">
                 <a:solidFill>
                   <a:srgbClr val="FF0000"/>
                 </a:solidFill>
               </a:rPr>
               <a:t>10</a:t>
             </a:r>
-            <a:endParaRPr lang="en-US" sz="2400" dirty="0">
-              <a:solidFill>
-                <a:srgbClr val="FF0000"/>
-              </a:solidFill>
-            </a:endParaRPr>
           </a:p>
         </p:txBody>
       </p:sp>
@@ -12870,34 +12229,24 @@
           <a:p>
             <a:pPr algn="ctr"/>
             <a:r>
-              <a:rPr lang="en-US" sz="2400" dirty="0" smtClean="0">
+              <a:rPr lang="en-US" sz="2400" dirty="0">
                 <a:solidFill>
                   <a:srgbClr val="00B050"/>
                 </a:solidFill>
               </a:rPr>
               <a:t>Z</a:t>
             </a:r>
-            <a:endParaRPr lang="en-US" sz="2400" dirty="0" smtClean="0">
-              <a:solidFill>
-                <a:srgbClr val="00B050"/>
-              </a:solidFill>
-            </a:endParaRPr>
-          </a:p>
-          <a:p>
-            <a:pPr algn="ctr"/>
-            <a:r>
-              <a:rPr lang="en-US" sz="2400" dirty="0" smtClean="0">
+          </a:p>
+          <a:p>
+            <a:pPr algn="ctr"/>
+            <a:r>
+              <a:rPr lang="en-US" sz="2400" dirty="0">
                 <a:solidFill>
                   <a:srgbClr val="FF0000"/>
                 </a:solidFill>
               </a:rPr>
               <a:t>7</a:t>
             </a:r>
-            <a:endParaRPr lang="en-US" sz="2400" dirty="0">
-              <a:solidFill>
-                <a:srgbClr val="FF0000"/>
-              </a:solidFill>
-            </a:endParaRPr>
           </a:p>
         </p:txBody>
       </p:sp>
@@ -13029,34 +12378,24 @@
           <a:p>
             <a:pPr algn="ctr"/>
             <a:r>
-              <a:rPr lang="en-US" sz="2400" dirty="0" smtClean="0">
+              <a:rPr lang="en-US" sz="2400" dirty="0">
                 <a:solidFill>
                   <a:srgbClr val="00B050"/>
                 </a:solidFill>
               </a:rPr>
               <a:t>E</a:t>
             </a:r>
-            <a:endParaRPr lang="en-US" sz="2400" dirty="0" smtClean="0">
-              <a:solidFill>
-                <a:srgbClr val="00B050"/>
-              </a:solidFill>
-            </a:endParaRPr>
-          </a:p>
-          <a:p>
-            <a:pPr algn="ctr"/>
-            <a:r>
-              <a:rPr lang="en-US" sz="2400" dirty="0" smtClean="0">
+          </a:p>
+          <a:p>
+            <a:pPr algn="ctr"/>
+            <a:r>
+              <a:rPr lang="en-US" sz="2400" dirty="0">
                 <a:solidFill>
                   <a:srgbClr val="FF0000"/>
                 </a:solidFill>
               </a:rPr>
               <a:t>8</a:t>
             </a:r>
-            <a:endParaRPr lang="en-US" sz="2400" dirty="0">
-              <a:solidFill>
-                <a:srgbClr val="FF0000"/>
-              </a:solidFill>
-            </a:endParaRPr>
           </a:p>
         </p:txBody>
       </p:sp>
